--- a/secure-coding/slides/delivery/10__Vault_introduction.pptx
+++ b/secure-coding/slides/delivery/10__Vault_introduction.pptx
@@ -1,52 +1,52 @@
 
 <file path=ppt/presentation.xml><?xml version="1.0" encoding="utf-8"?>
-<p:presentation xmlns:a="http://schemas.openxmlformats.org/drawingml/2006/main" xmlns:r="http://schemas.openxmlformats.org/officeDocument/2006/relationships" xmlns:p="http://schemas.openxmlformats.org/presentationml/2006/main" showSpecialPlsOnTitleSld="0" saveSubsetFonts="1" autoCompressPictures="0">
+<p:presentation xmlns:a="http://schemas.openxmlformats.org/drawingml/2006/main" xmlns:r="http://schemas.openxmlformats.org/officeDocument/2006/relationships" xmlns:p="http://schemas.openxmlformats.org/presentationml/2006/main" showSpecialPlsOnTitleSld="0" autoCompressPictures="0">
   <p:sldMasterIdLst>
-    <p:sldMasterId id="2147483651" r:id="rId1"/>
+    <p:sldMasterId id="2147483648" r:id="rId1"/>
   </p:sldMasterIdLst>
   <p:notesMasterIdLst>
-    <p:notesMasterId r:id="rId2"/>
+    <p:notesMasterId r:id="rId37"/>
   </p:notesMasterIdLst>
   <p:handoutMasterIdLst>
-    <p:handoutMasterId r:id="rId3"/>
+    <p:handoutMasterId r:id="rId38"/>
   </p:handoutMasterIdLst>
   <p:sldIdLst>
-    <p:sldId id="256" r:id="rId9"/>
-    <p:sldId id="257" r:id="rId10"/>
-    <p:sldId id="258" r:id="rId11"/>
-    <p:sldId id="259" r:id="rId12"/>
-    <p:sldId id="260" r:id="rId13"/>
-    <p:sldId id="261" r:id="rId14"/>
-    <p:sldId id="262" r:id="rId15"/>
-    <p:sldId id="263" r:id="rId16"/>
-    <p:sldId id="264" r:id="rId17"/>
-    <p:sldId id="265" r:id="rId18"/>
-    <p:sldId id="266" r:id="rId19"/>
-    <p:sldId id="267" r:id="rId20"/>
-    <p:sldId id="268" r:id="rId21"/>
-    <p:sldId id="269" r:id="rId22"/>
-    <p:sldId id="270" r:id="rId23"/>
-    <p:sldId id="271" r:id="rId24"/>
-    <p:sldId id="272" r:id="rId25"/>
-    <p:sldId id="273" r:id="rId26"/>
-    <p:sldId id="274" r:id="rId27"/>
-    <p:sldId id="275" r:id="rId28"/>
-    <p:sldId id="276" r:id="rId29"/>
-    <p:sldId id="277" r:id="rId30"/>
-    <p:sldId id="278" r:id="rId31"/>
-    <p:sldId id="279" r:id="rId32"/>
-    <p:sldId id="280" r:id="rId33"/>
-    <p:sldId id="281" r:id="rId34"/>
-    <p:sldId id="282" r:id="rId35"/>
-    <p:sldId id="283" r:id="rId36"/>
-    <p:sldId id="284" r:id="rId37"/>
-    <p:sldId id="285" r:id="rId38"/>
-    <p:sldId id="286" r:id="rId39"/>
-    <p:sldId id="287" r:id="rId40"/>
-    <p:sldId id="288" r:id="rId41"/>
-    <p:sldId id="289" r:id="rId42"/>
+    <p:sldId id="256" r:id="rId3"/>
+    <p:sldId id="257" r:id="rId4"/>
+    <p:sldId id="258" r:id="rId5"/>
+    <p:sldId id="259" r:id="rId6"/>
+    <p:sldId id="260" r:id="rId7"/>
+    <p:sldId id="261" r:id="rId8"/>
+    <p:sldId id="262" r:id="rId9"/>
+    <p:sldId id="263" r:id="rId10"/>
+    <p:sldId id="264" r:id="rId11"/>
+    <p:sldId id="265" r:id="rId12"/>
+    <p:sldId id="266" r:id="rId13"/>
+    <p:sldId id="267" r:id="rId14"/>
+    <p:sldId id="268" r:id="rId15"/>
+    <p:sldId id="269" r:id="rId16"/>
+    <p:sldId id="270" r:id="rId17"/>
+    <p:sldId id="271" r:id="rId18"/>
+    <p:sldId id="272" r:id="rId19"/>
+    <p:sldId id="273" r:id="rId20"/>
+    <p:sldId id="274" r:id="rId21"/>
+    <p:sldId id="275" r:id="rId22"/>
+    <p:sldId id="276" r:id="rId23"/>
+    <p:sldId id="277" r:id="rId24"/>
+    <p:sldId id="278" r:id="rId25"/>
+    <p:sldId id="279" r:id="rId26"/>
+    <p:sldId id="280" r:id="rId27"/>
+    <p:sldId id="281" r:id="rId28"/>
+    <p:sldId id="282" r:id="rId29"/>
+    <p:sldId id="283" r:id="rId30"/>
+    <p:sldId id="284" r:id="rId31"/>
+    <p:sldId id="285" r:id="rId32"/>
+    <p:sldId id="286" r:id="rId33"/>
+    <p:sldId id="287" r:id="rId34"/>
+    <p:sldId id="288" r:id="rId35"/>
+    <p:sldId id="289" r:id="rId36"/>
   </p:sldIdLst>
-  <p:sldSz cx="9372600" cy="8297863"/>
+  <p:sldSz cx="9372600" cy="8297545"/>
   <p:notesSz cx="7315200" cy="9601200"/>
   <p:defaultTextStyle>
     <a:defPPr>
@@ -64,8 +64,8 @@
           <a:schemeClr val="tx1"/>
         </a:solidFill>
         <a:latin typeface="Garamond" pitchFamily="18" charset="0"/>
-        <a:ea typeface="ＭＳ Ｐゴシック"/>
-        <a:cs typeface="ＭＳ Ｐゴシック"/>
+        <a:ea typeface="MS PGothic"/>
+        <a:cs typeface="MS PGothic"/>
       </a:defRPr>
     </a:lvl1pPr>
     <a:lvl2pPr marL="457200" algn="l" rtl="0" fontAlgn="base">
@@ -80,8 +80,8 @@
           <a:schemeClr val="tx1"/>
         </a:solidFill>
         <a:latin typeface="Garamond" pitchFamily="18" charset="0"/>
-        <a:ea typeface="ＭＳ Ｐゴシック"/>
-        <a:cs typeface="ＭＳ Ｐゴシック"/>
+        <a:ea typeface="MS PGothic"/>
+        <a:cs typeface="MS PGothic"/>
       </a:defRPr>
     </a:lvl2pPr>
     <a:lvl3pPr marL="914400" algn="l" rtl="0" fontAlgn="base">
@@ -96,8 +96,8 @@
           <a:schemeClr val="tx1"/>
         </a:solidFill>
         <a:latin typeface="Garamond" pitchFamily="18" charset="0"/>
-        <a:ea typeface="ＭＳ Ｐゴシック"/>
-        <a:cs typeface="ＭＳ Ｐゴシック"/>
+        <a:ea typeface="MS PGothic"/>
+        <a:cs typeface="MS PGothic"/>
       </a:defRPr>
     </a:lvl3pPr>
     <a:lvl4pPr marL="1371600" algn="l" rtl="0" fontAlgn="base">
@@ -112,8 +112,8 @@
           <a:schemeClr val="tx1"/>
         </a:solidFill>
         <a:latin typeface="Garamond" pitchFamily="18" charset="0"/>
-        <a:ea typeface="ＭＳ Ｐゴシック"/>
-        <a:cs typeface="ＭＳ Ｐゴシック"/>
+        <a:ea typeface="MS PGothic"/>
+        <a:cs typeface="MS PGothic"/>
       </a:defRPr>
     </a:lvl4pPr>
     <a:lvl5pPr marL="1828800" algn="l" rtl="0" fontAlgn="base">
@@ -128,8 +128,8 @@
           <a:schemeClr val="tx1"/>
         </a:solidFill>
         <a:latin typeface="Garamond" pitchFamily="18" charset="0"/>
-        <a:ea typeface="ＭＳ Ｐゴシック"/>
-        <a:cs typeface="ＭＳ Ｐゴシック"/>
+        <a:ea typeface="MS PGothic"/>
+        <a:cs typeface="MS PGothic"/>
       </a:defRPr>
     </a:lvl5pPr>
     <a:lvl6pPr marL="2286000" algn="l" defTabSz="914400" rtl="0" eaLnBrk="1" latinLnBrk="0" hangingPunct="1">
@@ -138,8 +138,8 @@
           <a:schemeClr val="tx1"/>
         </a:solidFill>
         <a:latin typeface="Garamond" pitchFamily="18" charset="0"/>
-        <a:ea typeface="ＭＳ Ｐゴシック"/>
-        <a:cs typeface="ＭＳ Ｐゴシック"/>
+        <a:ea typeface="MS PGothic"/>
+        <a:cs typeface="MS PGothic"/>
       </a:defRPr>
     </a:lvl6pPr>
     <a:lvl7pPr marL="2743200" algn="l" defTabSz="914400" rtl="0" eaLnBrk="1" latinLnBrk="0" hangingPunct="1">
@@ -148,8 +148,8 @@
           <a:schemeClr val="tx1"/>
         </a:solidFill>
         <a:latin typeface="Garamond" pitchFamily="18" charset="0"/>
-        <a:ea typeface="ＭＳ Ｐゴシック"/>
-        <a:cs typeface="ＭＳ Ｐゴシック"/>
+        <a:ea typeface="MS PGothic"/>
+        <a:cs typeface="MS PGothic"/>
       </a:defRPr>
     </a:lvl7pPr>
     <a:lvl8pPr marL="3200400" algn="l" defTabSz="914400" rtl="0" eaLnBrk="1" latinLnBrk="0" hangingPunct="1">
@@ -158,8 +158,8 @@
           <a:schemeClr val="tx1"/>
         </a:solidFill>
         <a:latin typeface="Garamond" pitchFamily="18" charset="0"/>
-        <a:ea typeface="ＭＳ Ｐゴシック"/>
-        <a:cs typeface="ＭＳ Ｐゴシック"/>
+        <a:ea typeface="MS PGothic"/>
+        <a:cs typeface="MS PGothic"/>
       </a:defRPr>
     </a:lvl8pPr>
     <a:lvl9pPr marL="3657600" algn="l" defTabSz="914400" rtl="0" eaLnBrk="1" latinLnBrk="0" hangingPunct="1">
@@ -168,41 +168,11 @@
           <a:schemeClr val="tx1"/>
         </a:solidFill>
         <a:latin typeface="Garamond" pitchFamily="18" charset="0"/>
-        <a:ea typeface="ＭＳ Ｐゴシック"/>
-        <a:cs typeface="ＭＳ Ｐゴシック"/>
+        <a:ea typeface="MS PGothic"/>
+        <a:cs typeface="MS PGothic"/>
       </a:defRPr>
     </a:lvl9pPr>
   </p:defaultTextStyle>
-  <p:extLst>
-    <p:ext uri="{EFAFB233-063F-42B5-8137-9DF3F51BA10A}">
-      <p15:sldGuideLst xmlns:p15="http://schemas.microsoft.com/office/powerpoint/2012/main">
-        <p15:guide id="1" orient="horz" pos="2614" userDrawn="1">
-          <p15:clr>
-            <a:srgbClr val="A4A3A4"/>
-          </p15:clr>
-        </p15:guide>
-        <p15:guide id="2" pos="2952" userDrawn="1">
-          <p15:clr>
-            <a:srgbClr val="A4A3A4"/>
-          </p15:clr>
-        </p15:guide>
-      </p15:sldGuideLst>
-    </p:ext>
-    <p:ext uri="{2D200454-40CA-4A62-9FC3-DE9A4176ACB9}">
-      <p15:notesGuideLst xmlns:p15="http://schemas.microsoft.com/office/powerpoint/2012/main">
-        <p15:guide id="1" orient="horz" pos="3024">
-          <p15:clr>
-            <a:srgbClr val="A4A3A4"/>
-          </p15:clr>
-        </p15:guide>
-        <p15:guide id="2" pos="2308">
-          <p15:clr>
-            <a:srgbClr val="A4A3A4"/>
-          </p15:clr>
-        </p15:guide>
-      </p15:notesGuideLst>
-    </p:ext>
-  </p:extLst>
 </p:presentation>
 </file>
 
@@ -212,9 +182,7 @@
   <p:cmAuthor id="2" name="Mark Kerzner" initials="MK" lastIdx="6" clrIdx="1"/>
   <p:cmAuthor id="3" name="Mary Beth Conlee" initials="MBC" lastIdx="7" clrIdx="2"/>
   <p:cmAuthor id="4" name="Michelle" initials="M" lastIdx="5" clrIdx="3"/>
-  <p:cmAuthor id="5" name="Tricia Murphy" initials="TM" lastIdx="4" clrIdx="4">
-    <p:extLst/>
-  </p:cmAuthor>
+  <p:cmAuthor id="5" name="Tricia Murphy" initials="TM" lastIdx="4" clrIdx="4"/>
 </p:cmAuthorLst>
 </file>
 
@@ -265,20 +233,14 @@
           <a:ln w="9525">
             <a:noFill/>
             <a:miter lim="800000"/>
-            <a:headEnd/>
-            <a:tailEnd/>
           </a:ln>
         </p:spPr>
         <p:txBody>
-          <a:bodyPr vert="horz" wrap="square" lIns="96603" tIns="48303" rIns="96603" bIns="48303" numCol="1" anchor="b" anchorCtr="0" compatLnSpc="1">
-            <a:prstTxWarp prst="textNoShape">
-              <a:avLst/>
-            </a:prstTxWarp>
-          </a:bodyPr>
+          <a:bodyPr vert="horz" wrap="square" lIns="96603" tIns="48303" rIns="96603" bIns="48303" numCol="1" anchor="b" anchorCtr="0" compatLnSpc="1"/>
           <a:lstStyle>
             <a:lvl1pPr defTabSz="965200">
               <a:defRPr sz="1200">
-                <a:latin typeface="Times New Roman" pitchFamily="18" charset="0"/>
+                <a:latin typeface="Times New Roman" panose="02020603050405020304" pitchFamily="-110" charset="0"/>
               </a:defRPr>
             </a:lvl1pPr>
           </a:lstStyle>
@@ -290,6 +252,7 @@
               <a:rPr lang="en-US" dirty="0"/>
               <a:t>Copyright © 2017 Elephant Scale. All rights reserved.</a:t>
             </a:r>
+            <a:endParaRPr lang="en-US" dirty="0"/>
           </a:p>
         </p:txBody>
       </p:sp>
@@ -315,20 +278,14 @@
           <a:ln w="9525">
             <a:noFill/>
             <a:miter lim="800000"/>
-            <a:headEnd/>
-            <a:tailEnd/>
           </a:ln>
         </p:spPr>
         <p:txBody>
-          <a:bodyPr vert="horz" wrap="square" lIns="96603" tIns="48303" rIns="96603" bIns="48303" numCol="1" anchor="b" anchorCtr="0" compatLnSpc="1">
-            <a:prstTxWarp prst="textNoShape">
-              <a:avLst/>
-            </a:prstTxWarp>
-          </a:bodyPr>
+          <a:bodyPr vert="horz" wrap="square" lIns="96603" tIns="48303" rIns="96603" bIns="48303" numCol="1" anchor="b" anchorCtr="0" compatLnSpc="1"/>
           <a:lstStyle>
             <a:lvl1pPr algn="r" defTabSz="965200">
               <a:defRPr sz="1200">
-                <a:latin typeface="Times New Roman" pitchFamily="18" charset="0"/>
+                <a:latin typeface="Times New Roman" panose="02020603050405020304" pitchFamily="-110" charset="0"/>
               </a:defRPr>
             </a:lvl1pPr>
           </a:lstStyle>
@@ -338,21 +295,12 @@
             </a:pPr>
             <a:fld id="{97E62689-8C7D-4291-A094-4E689FEC4C3B}" type="slidenum">
               <a:rPr lang="en-US"/>
-              <a:pPr>
-                <a:defRPr/>
-              </a:pPr>
-              <a:t>‹#›</a:t>
             </a:fld>
             <a:endParaRPr lang="en-US" dirty="0"/>
           </a:p>
         </p:txBody>
       </p:sp>
     </p:spTree>
-    <p:extLst>
-      <p:ext uri="{BB962C8B-B14F-4D97-AF65-F5344CB8AC3E}">
-        <p14:creationId xmlns:p14="http://schemas.microsoft.com/office/powerpoint/2010/main" val="3239291525"/>
-      </p:ext>
-    </p:extLst>
   </p:cSld>
   <p:clrMap bg1="lt1" tx1="dk1" bg2="lt2" tx2="dk2" accent1="accent1" accent2="accent2" accent3="accent3" accent4="accent4" accent5="accent5" accent6="accent6" hlink="hlink" folHlink="folHlink"/>
   <p:hf hdr="0" ftr="0" dt="0"/>
@@ -408,8 +356,6 @@
               <a:srgbClr val="000000"/>
             </a:solidFill>
             <a:miter lim="800000"/>
-            <a:headEnd/>
-            <a:tailEnd/>
           </a:ln>
         </p:spPr>
       </p:sp>
@@ -435,21 +381,15 @@
           <a:ln w="9525">
             <a:noFill/>
             <a:miter lim="800000"/>
-            <a:headEnd/>
-            <a:tailEnd/>
           </a:ln>
           <a:effectLst/>
         </p:spPr>
         <p:txBody>
-          <a:bodyPr vert="horz" wrap="square" lIns="0" tIns="0" rIns="0" bIns="0" numCol="1" anchor="b" anchorCtr="1" compatLnSpc="1">
-            <a:prstTxWarp prst="textNoShape">
-              <a:avLst/>
-            </a:prstTxWarp>
-          </a:bodyPr>
+          <a:bodyPr vert="horz" wrap="square" lIns="0" tIns="0" rIns="0" bIns="0" numCol="1" anchor="b" anchorCtr="1" compatLnSpc="1"/>
           <a:lstStyle>
             <a:lvl1pPr algn="ctr" defTabSz="965200" eaLnBrk="0" hangingPunct="0">
               <a:defRPr sz="900">
-                <a:latin typeface="Arial" charset="0"/>
+                <a:latin typeface="Arial" panose="020B0604020202020204" pitchFamily="34" charset="0"/>
               </a:defRPr>
             </a:lvl1pPr>
           </a:lstStyle>
@@ -461,6 +401,7 @@
               <a:rPr lang="en-US" dirty="0"/>
               <a:t>Copyright © 2017 Elephant Scale. All rights reserved.</a:t>
             </a:r>
+            <a:endParaRPr lang="en-US" dirty="0"/>
           </a:p>
         </p:txBody>
       </p:sp>
@@ -486,21 +427,15 @@
           <a:ln w="9525">
             <a:noFill/>
             <a:miter lim="800000"/>
-            <a:headEnd/>
-            <a:tailEnd/>
           </a:ln>
           <a:effectLst/>
         </p:spPr>
         <p:txBody>
-          <a:bodyPr vert="horz" wrap="square" lIns="0" tIns="0" rIns="0" bIns="0" numCol="1" anchor="b" anchorCtr="0" compatLnSpc="1">
-            <a:prstTxWarp prst="textNoShape">
-              <a:avLst/>
-            </a:prstTxWarp>
-          </a:bodyPr>
+          <a:bodyPr vert="horz" wrap="square" lIns="0" tIns="0" rIns="0" bIns="0" numCol="1" anchor="b" anchorCtr="0" compatLnSpc="1"/>
           <a:lstStyle>
             <a:lvl1pPr algn="r" defTabSz="965200" eaLnBrk="0" hangingPunct="0">
               <a:defRPr b="1">
-                <a:latin typeface="Arial" charset="0"/>
+                <a:latin typeface="Arial" panose="020B0604020202020204" pitchFamily="34" charset="0"/>
               </a:defRPr>
             </a:lvl1pPr>
           </a:lstStyle>
@@ -510,10 +445,6 @@
             </a:pPr>
             <a:fld id="{EFAADD5D-AF76-45EE-AA5F-6DAC73BF167A}" type="slidenum">
               <a:rPr lang="en-US"/>
-              <a:pPr>
-                <a:defRPr/>
-              </a:pPr>
-              <a:t>‹#›</a:t>
             </a:fld>
             <a:endParaRPr lang="en-US" dirty="0"/>
           </a:p>
@@ -539,24 +470,26 @@
           <a:ln w="9525">
             <a:noFill/>
             <a:miter lim="800000"/>
-            <a:headEnd/>
-            <a:tailEnd/>
           </a:ln>
         </p:spPr>
         <p:txBody>
           <a:bodyPr wrap="none" lIns="96386" tIns="48194" rIns="96386" bIns="48194"/>
           <a:lstStyle/>
           <a:p>
-            <a:pPr defTabSz="960438">
+            <a:pPr defTabSz="960755">
               <a:defRPr/>
             </a:pPr>
             <a:r>
               <a:rPr lang="en-US" sz="1200" b="1" u="sng" dirty="0">
-                <a:latin typeface="Times New Roman" pitchFamily="18" charset="0"/>
-                <a:cs typeface="Times New Roman" pitchFamily="18" charset="0"/>
+                <a:latin typeface="Times New Roman" panose="02020603050405020304" pitchFamily="-110" charset="0"/>
+                <a:cs typeface="Times New Roman" panose="02020603050405020304" pitchFamily="-110" charset="0"/>
               </a:rPr>
               <a:t>Notes:</a:t>
             </a:r>
+            <a:endParaRPr lang="en-US" sz="1200" b="1" u="sng" dirty="0">
+              <a:latin typeface="Times New Roman" panose="02020603050405020304" pitchFamily="-110" charset="0"/>
+              <a:cs typeface="Times New Roman" panose="02020603050405020304" pitchFamily="-110" charset="0"/>
+            </a:endParaRPr>
           </a:p>
         </p:txBody>
       </p:sp>
@@ -582,16 +515,10 @@
           <a:ln w="9525">
             <a:noFill/>
             <a:miter lim="800000"/>
-            <a:headEnd/>
-            <a:tailEnd/>
           </a:ln>
         </p:spPr>
         <p:txBody>
-          <a:bodyPr vert="horz" wrap="square" lIns="91537" tIns="45768" rIns="91537" bIns="45768" numCol="1" anchor="t" anchorCtr="0" compatLnSpc="1">
-            <a:prstTxWarp prst="textNoShape">
-              <a:avLst/>
-            </a:prstTxWarp>
-          </a:bodyPr>
+          <a:bodyPr vert="horz" wrap="square" lIns="91537" tIns="45768" rIns="91537" bIns="45768" numCol="1" anchor="t" anchorCtr="0" compatLnSpc="1"/>
           <a:lstStyle/>
           <a:p>
             <a:pPr lvl="0"/>
@@ -621,8 +548,6 @@
               <a:srgbClr val="000000"/>
             </a:solidFill>
             <a:round/>
-            <a:headEnd/>
-            <a:tailEnd/>
           </a:ln>
           <a:effectLst/>
         </p:spPr>
@@ -637,7 +562,7 @@
               <a:defRPr/>
             </a:pPr>
             <a:endParaRPr lang="en-US" dirty="0">
-              <a:latin typeface="Garamond" pitchFamily="-110" charset="0"/>
+              <a:latin typeface="Garamond" pitchFamily="18" charset="0"/>
               <a:ea typeface="+mn-ea"/>
               <a:cs typeface="+mn-cs"/>
             </a:endParaRPr>
@@ -645,11 +570,6 @@
         </p:txBody>
       </p:sp>
     </p:spTree>
-    <p:extLst>
-      <p:ext uri="{BB962C8B-B14F-4D97-AF65-F5344CB8AC3E}">
-        <p14:creationId xmlns:p14="http://schemas.microsoft.com/office/powerpoint/2010/main" val="953744030"/>
-      </p:ext>
-    </p:extLst>
   </p:cSld>
   <p:clrMap bg1="lt1" tx1="dk1" bg2="lt2" tx2="dk2" accent1="accent1" accent2="accent2" accent3="accent3" accent4="accent4" accent5="accent5" accent6="accent6" hlink="hlink" folHlink="folHlink"/>
   <p:hf dt="0"/>
@@ -662,15 +582,15 @@
         <a:spcPct val="0"/>
       </a:spcAft>
       <a:buSzPct val="65000"/>
-      <a:buFont typeface="Wingdings" pitchFamily="2" charset="2"/>
+      <a:buFont typeface="Wingdings" panose="05000000000000000000" pitchFamily="2" charset="2"/>
       <a:buNone/>
       <a:defRPr sz="1200" kern="1200">
         <a:solidFill>
           <a:schemeClr val="tx1"/>
         </a:solidFill>
-        <a:latin typeface="Times New Roman" pitchFamily="-110" charset="0"/>
-        <a:ea typeface="ＭＳ Ｐゴシック" pitchFamily="-110" charset="-128"/>
-        <a:cs typeface="ＭＳ Ｐゴシック" pitchFamily="-110" charset="-128"/>
+        <a:latin typeface="Times New Roman" panose="02020603050405020304" pitchFamily="-110" charset="0"/>
+        <a:ea typeface="MS PGothic" pitchFamily="-110" charset="-128"/>
+        <a:cs typeface="MS PGothic" pitchFamily="-110" charset="-128"/>
       </a:defRPr>
     </a:lvl1pPr>
     <a:lvl2pPr marL="282575" indent="0" algn="l" rtl="0" eaLnBrk="0" fontAlgn="base" hangingPunct="0">
@@ -685,12 +605,12 @@
         <a:solidFill>
           <a:schemeClr val="tx1"/>
         </a:solidFill>
-        <a:latin typeface="Times New Roman" pitchFamily="-110" charset="0"/>
-        <a:ea typeface="ＭＳ Ｐゴシック" pitchFamily="-110" charset="-128"/>
-        <a:cs typeface="ＭＳ Ｐゴシック"/>
+        <a:latin typeface="Times New Roman" panose="02020603050405020304" pitchFamily="-110" charset="0"/>
+        <a:ea typeface="MS PGothic" pitchFamily="-110" charset="-128"/>
+        <a:cs typeface="MS PGothic"/>
       </a:defRPr>
     </a:lvl2pPr>
-    <a:lvl3pPr marL="744538" indent="-173038" algn="l" rtl="0" eaLnBrk="0" fontAlgn="base" hangingPunct="0">
+    <a:lvl3pPr marL="744855" indent="-173355" algn="l" rtl="0" eaLnBrk="0" fontAlgn="base" hangingPunct="0">
       <a:spcBef>
         <a:spcPct val="30000"/>
       </a:spcBef>
@@ -702,9 +622,9 @@
         <a:solidFill>
           <a:schemeClr val="tx1"/>
         </a:solidFill>
-        <a:latin typeface="Times New Roman" pitchFamily="-110" charset="0"/>
-        <a:ea typeface="ＭＳ Ｐゴシック" pitchFamily="-110" charset="-128"/>
-        <a:cs typeface="ＭＳ Ｐゴシック"/>
+        <a:latin typeface="Times New Roman" panose="02020603050405020304" pitchFamily="-110" charset="0"/>
+        <a:ea typeface="MS PGothic" pitchFamily="-110" charset="-128"/>
+        <a:cs typeface="MS PGothic"/>
       </a:defRPr>
     </a:lvl3pPr>
     <a:lvl4pPr marL="1600200" indent="-228600" algn="l" rtl="0" eaLnBrk="0" fontAlgn="base" hangingPunct="0">
@@ -718,9 +638,9 @@
         <a:solidFill>
           <a:schemeClr val="tx1"/>
         </a:solidFill>
-        <a:latin typeface="Times New Roman" pitchFamily="-110" charset="0"/>
-        <a:ea typeface="ＭＳ Ｐゴシック" pitchFamily="-110" charset="-128"/>
-        <a:cs typeface="ＭＳ Ｐゴシック"/>
+        <a:latin typeface="Times New Roman" panose="02020603050405020304" pitchFamily="-110" charset="0"/>
+        <a:ea typeface="MS PGothic" pitchFamily="-110" charset="-128"/>
+        <a:cs typeface="MS PGothic"/>
       </a:defRPr>
     </a:lvl4pPr>
     <a:lvl5pPr marL="2057400" indent="-228600" algn="l" rtl="0" eaLnBrk="0" fontAlgn="base" hangingPunct="0">
@@ -734,9 +654,9 @@
         <a:solidFill>
           <a:schemeClr val="tx1"/>
         </a:solidFill>
-        <a:latin typeface="Times New Roman" pitchFamily="-110" charset="0"/>
-        <a:ea typeface="ＭＳ Ｐゴシック" pitchFamily="-110" charset="-128"/>
-        <a:cs typeface="ＭＳ Ｐゴシック"/>
+        <a:latin typeface="Times New Roman" panose="02020603050405020304" pitchFamily="-110" charset="0"/>
+        <a:ea typeface="MS PGothic" pitchFamily="-110" charset="-128"/>
+        <a:cs typeface="MS PGothic"/>
       </a:defRPr>
     </a:lvl5pPr>
     <a:lvl6pPr marL="2286000" algn="l" defTabSz="457200" rtl="0" eaLnBrk="1" latinLnBrk="0" hangingPunct="1">
@@ -784,7 +704,7 @@
 </file>
 
 <file path=ppt/slideLayouts/slideLayout1.xml><?xml version="1.0" encoding="utf-8"?>
-<p:sldLayout xmlns:a="http://schemas.openxmlformats.org/drawingml/2006/main" xmlns:r="http://schemas.openxmlformats.org/officeDocument/2006/relationships" xmlns:p="http://schemas.openxmlformats.org/presentationml/2006/main" showMasterSp="0" type="title" preserve="1">
+<p:sldLayout xmlns:a="http://schemas.openxmlformats.org/drawingml/2006/main" xmlns:r="http://schemas.openxmlformats.org/officeDocument/2006/relationships" xmlns:p="http://schemas.openxmlformats.org/presentationml/2006/main" type="title" preserve="1" showMasterSp="0">
   <p:cSld name="Title Slide">
     <p:bg>
       <p:bgPr>
@@ -819,7 +739,9 @@
         <p:blipFill rotWithShape="1">
           <a:blip r:embed="rId2"/>
           <a:srcRect t="19473"/>
-          <a:stretch/>
+          <a:stretch>
+            <a:fillRect/>
+          </a:stretch>
         </p:blipFill>
         <p:spPr bwMode="auto">
           <a:xfrm>
@@ -870,6 +792,7 @@
               <a:rPr lang="en-US"/>
               <a:t>Click to edit Master subtitle style</a:t>
             </a:r>
+            <a:endParaRPr lang="en-US"/>
           </a:p>
         </p:txBody>
       </p:sp>
@@ -901,6 +824,7 @@
               <a:rPr lang="en-US"/>
               <a:t>Click to edit Master title style</a:t>
             </a:r>
+            <a:endParaRPr lang="en-US"/>
           </a:p>
         </p:txBody>
       </p:sp>
@@ -950,6 +874,7 @@
               <a:rPr lang="en-US" dirty="0"/>
               <a:t>Click to edit Master title style</a:t>
             </a:r>
+            <a:endParaRPr lang="en-US" dirty="0"/>
           </a:p>
         </p:txBody>
       </p:sp>
@@ -973,6 +898,7 @@
               <a:rPr lang="en-US" dirty="0"/>
               <a:t>Click to edit Master text styles</a:t>
             </a:r>
+            <a:endParaRPr lang="en-US" dirty="0"/>
           </a:p>
           <a:p>
             <a:pPr lvl="1"/>
@@ -980,6 +906,7 @@
               <a:rPr lang="en-US" dirty="0"/>
               <a:t>Second level</a:t>
             </a:r>
+            <a:endParaRPr lang="en-US" dirty="0"/>
           </a:p>
           <a:p>
             <a:pPr lvl="2"/>
@@ -987,6 +914,7 @@
               <a:rPr lang="en-US" dirty="0"/>
               <a:t>Third level</a:t>
             </a:r>
+            <a:endParaRPr lang="en-US" dirty="0"/>
           </a:p>
           <a:p>
             <a:pPr lvl="3"/>
@@ -994,6 +922,7 @@
               <a:rPr lang="en-US" dirty="0"/>
               <a:t>Fourth level</a:t>
             </a:r>
+            <a:endParaRPr lang="en-US" dirty="0"/>
           </a:p>
           <a:p>
             <a:pPr lvl="4"/>
@@ -1001,6 +930,7 @@
               <a:rPr lang="en-US" dirty="0"/>
               <a:t>Fifth level</a:t>
             </a:r>
+            <a:endParaRPr lang="en-US" dirty="0"/>
           </a:p>
         </p:txBody>
       </p:sp>
@@ -1026,6 +956,7 @@
               <a:rPr lang="en-US" dirty="0"/>
               <a:t>Copyright © 2017 Elephant Scale. All rights reserved.</a:t>
             </a:r>
+            <a:endParaRPr lang="en-US" dirty="0"/>
           </a:p>
         </p:txBody>
       </p:sp>
@@ -1049,10 +980,6 @@
             </a:pPr>
             <a:fld id="{77EF9825-4C23-4085-A4E3-B5565466BD91}" type="slidenum">
               <a:rPr lang="en-US" smtClean="0"/>
-              <a:pPr>
-                <a:defRPr/>
-              </a:pPr>
-              <a:t>‹#›</a:t>
             </a:fld>
             <a:endParaRPr lang="en-US" dirty="0"/>
           </a:p>
@@ -1107,6 +1034,7 @@
               <a:rPr lang="en-US"/>
               <a:t>Click to edit Master title style</a:t>
             </a:r>
+            <a:endParaRPr lang="en-US"/>
           </a:p>
         </p:txBody>
       </p:sp>
@@ -1135,6 +1063,7 @@
               <a:rPr lang="en-US"/>
               <a:t>Click to edit Master text styles</a:t>
             </a:r>
+            <a:endParaRPr lang="en-US"/>
           </a:p>
           <a:p>
             <a:pPr lvl="1"/>
@@ -1142,6 +1071,7 @@
               <a:rPr lang="en-US"/>
               <a:t>Second level</a:t>
             </a:r>
+            <a:endParaRPr lang="en-US"/>
           </a:p>
           <a:p>
             <a:pPr lvl="2"/>
@@ -1149,6 +1079,7 @@
               <a:rPr lang="en-US"/>
               <a:t>Third level</a:t>
             </a:r>
+            <a:endParaRPr lang="en-US"/>
           </a:p>
           <a:p>
             <a:pPr lvl="3"/>
@@ -1156,6 +1087,7 @@
               <a:rPr lang="en-US"/>
               <a:t>Fourth level</a:t>
             </a:r>
+            <a:endParaRPr lang="en-US"/>
           </a:p>
           <a:p>
             <a:pPr lvl="4"/>
@@ -1163,6 +1095,7 @@
               <a:rPr lang="en-US"/>
               <a:t>Fifth level</a:t>
             </a:r>
+            <a:endParaRPr lang="en-US"/>
           </a:p>
         </p:txBody>
       </p:sp>
@@ -1191,6 +1124,7 @@
               <a:rPr lang="en-US"/>
               <a:t>Click to edit Master text styles</a:t>
             </a:r>
+            <a:endParaRPr lang="en-US"/>
           </a:p>
           <a:p>
             <a:pPr lvl="1"/>
@@ -1198,6 +1132,7 @@
               <a:rPr lang="en-US"/>
               <a:t>Second level</a:t>
             </a:r>
+            <a:endParaRPr lang="en-US"/>
           </a:p>
           <a:p>
             <a:pPr lvl="2"/>
@@ -1205,6 +1140,7 @@
               <a:rPr lang="en-US"/>
               <a:t>Third level</a:t>
             </a:r>
+            <a:endParaRPr lang="en-US"/>
           </a:p>
           <a:p>
             <a:pPr lvl="3"/>
@@ -1212,6 +1148,7 @@
               <a:rPr lang="en-US"/>
               <a:t>Fourth level</a:t>
             </a:r>
+            <a:endParaRPr lang="en-US"/>
           </a:p>
           <a:p>
             <a:pPr lvl="4"/>
@@ -1219,6 +1156,7 @@
               <a:rPr lang="en-US"/>
               <a:t>Fifth level</a:t>
             </a:r>
+            <a:endParaRPr lang="en-US"/>
           </a:p>
         </p:txBody>
       </p:sp>
@@ -1247,6 +1185,7 @@
               <a:rPr lang="en-US"/>
               <a:t>Click to edit Master text styles</a:t>
             </a:r>
+            <a:endParaRPr lang="en-US"/>
           </a:p>
           <a:p>
             <a:pPr lvl="1"/>
@@ -1254,6 +1193,7 @@
               <a:rPr lang="en-US"/>
               <a:t>Second level</a:t>
             </a:r>
+            <a:endParaRPr lang="en-US"/>
           </a:p>
           <a:p>
             <a:pPr lvl="2"/>
@@ -1261,6 +1201,7 @@
               <a:rPr lang="en-US"/>
               <a:t>Third level</a:t>
             </a:r>
+            <a:endParaRPr lang="en-US"/>
           </a:p>
           <a:p>
             <a:pPr lvl="3"/>
@@ -1268,6 +1209,7 @@
               <a:rPr lang="en-US"/>
               <a:t>Fourth level</a:t>
             </a:r>
+            <a:endParaRPr lang="en-US"/>
           </a:p>
           <a:p>
             <a:pPr lvl="4"/>
@@ -1275,6 +1217,7 @@
               <a:rPr lang="en-US"/>
               <a:t>Fifth level</a:t>
             </a:r>
+            <a:endParaRPr lang="en-US"/>
           </a:p>
         </p:txBody>
       </p:sp>
@@ -1288,9 +1231,7 @@
             <p:ph type="sldNum" sz="quarter" idx="11"/>
           </p:nvPr>
         </p:nvSpPr>
-        <p:spPr>
-          <a:ln/>
-        </p:spPr>
+        <p:spPr/>
         <p:txBody>
           <a:bodyPr/>
           <a:lstStyle>
@@ -1304,10 +1245,6 @@
             </a:pPr>
             <a:fld id="{040E4B02-67B9-4228-B08B-2561CEE6B946}" type="slidenum">
               <a:rPr lang="en-US"/>
-              <a:pPr>
-                <a:defRPr/>
-              </a:pPr>
-              <a:t>‹#›</a:t>
             </a:fld>
             <a:endParaRPr lang="en-US" dirty="0"/>
           </a:p>
@@ -1323,9 +1260,7 @@
             <p:ph type="ftr" sz="quarter" idx="12"/>
           </p:nvPr>
         </p:nvSpPr>
-        <p:spPr>
-          <a:ln/>
-        </p:spPr>
+        <p:spPr/>
         <p:txBody>
           <a:bodyPr/>
           <a:lstStyle>
@@ -1341,6 +1276,7 @@
               <a:rPr lang="en-US" dirty="0"/>
               <a:t>Copyright © 2017 Elephant Scale. All rights reserved.</a:t>
             </a:r>
+            <a:endParaRPr lang="en-US" dirty="0"/>
           </a:p>
         </p:txBody>
       </p:sp>
@@ -1393,6 +1329,7 @@
               <a:rPr lang="en-US"/>
               <a:t>Click to edit Master title style</a:t>
             </a:r>
+            <a:endParaRPr lang="en-US"/>
           </a:p>
         </p:txBody>
       </p:sp>
@@ -1421,6 +1358,7 @@
               <a:rPr lang="en-US"/>
               <a:t>Click to edit Master text styles</a:t>
             </a:r>
+            <a:endParaRPr lang="en-US"/>
           </a:p>
           <a:p>
             <a:pPr lvl="1"/>
@@ -1428,6 +1366,7 @@
               <a:rPr lang="en-US"/>
               <a:t>Second level</a:t>
             </a:r>
+            <a:endParaRPr lang="en-US"/>
           </a:p>
           <a:p>
             <a:pPr lvl="2"/>
@@ -1435,6 +1374,7 @@
               <a:rPr lang="en-US"/>
               <a:t>Third level</a:t>
             </a:r>
+            <a:endParaRPr lang="en-US"/>
           </a:p>
           <a:p>
             <a:pPr lvl="3"/>
@@ -1442,6 +1382,7 @@
               <a:rPr lang="en-US"/>
               <a:t>Fourth level</a:t>
             </a:r>
+            <a:endParaRPr lang="en-US"/>
           </a:p>
           <a:p>
             <a:pPr lvl="4"/>
@@ -1449,6 +1390,7 @@
               <a:rPr lang="en-US"/>
               <a:t>Fifth level</a:t>
             </a:r>
+            <a:endParaRPr lang="en-US"/>
           </a:p>
         </p:txBody>
       </p:sp>
@@ -1477,6 +1419,7 @@
               <a:rPr lang="en-US"/>
               <a:t>Click to edit Master text styles</a:t>
             </a:r>
+            <a:endParaRPr lang="en-US"/>
           </a:p>
           <a:p>
             <a:pPr lvl="1"/>
@@ -1484,6 +1427,7 @@
               <a:rPr lang="en-US"/>
               <a:t>Second level</a:t>
             </a:r>
+            <a:endParaRPr lang="en-US"/>
           </a:p>
           <a:p>
             <a:pPr lvl="2"/>
@@ -1491,6 +1435,7 @@
               <a:rPr lang="en-US"/>
               <a:t>Third level</a:t>
             </a:r>
+            <a:endParaRPr lang="en-US"/>
           </a:p>
           <a:p>
             <a:pPr lvl="3"/>
@@ -1498,6 +1443,7 @@
               <a:rPr lang="en-US"/>
               <a:t>Fourth level</a:t>
             </a:r>
+            <a:endParaRPr lang="en-US"/>
           </a:p>
           <a:p>
             <a:pPr lvl="4"/>
@@ -1505,6 +1451,7 @@
               <a:rPr lang="en-US"/>
               <a:t>Fifth level</a:t>
             </a:r>
+            <a:endParaRPr lang="en-US"/>
           </a:p>
         </p:txBody>
       </p:sp>
@@ -1518,9 +1465,7 @@
             <p:ph type="sldNum" sz="quarter" idx="11"/>
           </p:nvPr>
         </p:nvSpPr>
-        <p:spPr>
-          <a:ln/>
-        </p:spPr>
+        <p:spPr/>
         <p:txBody>
           <a:bodyPr/>
           <a:lstStyle>
@@ -1534,10 +1479,6 @@
             </a:pPr>
             <a:fld id="{A86CC632-9864-46F1-8EAB-FCD3BB9CEC9A}" type="slidenum">
               <a:rPr lang="en-US"/>
-              <a:pPr>
-                <a:defRPr/>
-              </a:pPr>
-              <a:t>‹#›</a:t>
             </a:fld>
             <a:endParaRPr lang="en-US" dirty="0"/>
           </a:p>
@@ -1553,9 +1494,7 @@
             <p:ph type="ftr" sz="quarter" idx="12"/>
           </p:nvPr>
         </p:nvSpPr>
-        <p:spPr>
-          <a:ln/>
-        </p:spPr>
+        <p:spPr/>
         <p:txBody>
           <a:bodyPr/>
           <a:lstStyle>
@@ -1571,6 +1510,7 @@
               <a:rPr lang="en-US" dirty="0"/>
               <a:t>Copyright © 2017 Elephant Scale. All rights reserved.</a:t>
             </a:r>
+            <a:endParaRPr lang="en-US" dirty="0"/>
           </a:p>
         </p:txBody>
       </p:sp>
@@ -1629,15 +1569,10 @@
           <a:ln w="9525">
             <a:noFill/>
             <a:miter lim="800000"/>
-            <a:headEnd/>
-            <a:tailEnd/>
           </a:ln>
         </p:spPr>
         <p:txBody>
           <a:bodyPr vert="horz" wrap="square" lIns="92007" tIns="46005" rIns="92007" bIns="46005" numCol="1" anchor="t" anchorCtr="0" compatLnSpc="1">
-            <a:prstTxWarp prst="textNoShape">
-              <a:avLst/>
-            </a:prstTxWarp>
             <a:normAutofit/>
           </a:bodyPr>
           <a:lstStyle/>
@@ -1647,6 +1582,7 @@
               <a:rPr lang="en-US" dirty="0"/>
               <a:t>Click to edit Master text styles</a:t>
             </a:r>
+            <a:endParaRPr lang="en-US" dirty="0"/>
           </a:p>
           <a:p>
             <a:pPr lvl="1"/>
@@ -1654,6 +1590,7 @@
               <a:rPr lang="en-US" dirty="0"/>
               <a:t>Second level</a:t>
             </a:r>
+            <a:endParaRPr lang="en-US" dirty="0"/>
           </a:p>
           <a:p>
             <a:pPr lvl="2"/>
@@ -1661,6 +1598,7 @@
               <a:rPr lang="en-US" dirty="0"/>
               <a:t>Third level</a:t>
             </a:r>
+            <a:endParaRPr lang="en-US" dirty="0"/>
           </a:p>
           <a:p>
             <a:pPr lvl="3"/>
@@ -1668,6 +1606,7 @@
               <a:rPr lang="en-US" dirty="0"/>
               <a:t>Fourth level</a:t>
             </a:r>
+            <a:endParaRPr lang="en-US" dirty="0"/>
           </a:p>
           <a:p>
             <a:pPr lvl="4"/>
@@ -1675,6 +1614,7 @@
               <a:rPr lang="en-US" dirty="0"/>
               <a:t>Fifth level</a:t>
             </a:r>
+            <a:endParaRPr lang="en-US" dirty="0"/>
           </a:p>
         </p:txBody>
       </p:sp>
@@ -1700,26 +1640,20 @@
           <a:ln w="9525">
             <a:noFill/>
             <a:miter lim="800000"/>
-            <a:headEnd/>
-            <a:tailEnd/>
           </a:ln>
           <a:effectLst/>
         </p:spPr>
         <p:txBody>
-          <a:bodyPr vert="horz" wrap="square" lIns="0" tIns="0" rIns="0" bIns="0" numCol="1" anchor="b" anchorCtr="0" compatLnSpc="1">
-            <a:prstTxWarp prst="textNoShape">
-              <a:avLst/>
-            </a:prstTxWarp>
-          </a:bodyPr>
+          <a:bodyPr vert="horz" wrap="square" lIns="0" tIns="0" rIns="0" bIns="0" numCol="1" anchor="b" anchorCtr="0" compatLnSpc="1"/>
           <a:lstStyle>
             <a:lvl1pPr algn="r" eaLnBrk="0" hangingPunct="0">
               <a:defRPr b="1">
                 <a:solidFill>
                   <a:srgbClr val="000000"/>
                 </a:solidFill>
-                <a:latin typeface="Arial" charset="0"/>
-                <a:ea typeface="ＭＳ Ｐゴシック" charset="0"/>
-                <a:cs typeface="ＭＳ Ｐゴシック" charset="0"/>
+                <a:latin typeface="Arial" panose="020B0604020202020204" pitchFamily="34" charset="0"/>
+                <a:ea typeface="MS PGothic" charset="0"/>
+                <a:cs typeface="MS PGothic" charset="0"/>
               </a:defRPr>
             </a:lvl1pPr>
           </a:lstStyle>
@@ -1729,10 +1663,6 @@
             </a:pPr>
             <a:fld id="{77EF9825-4C23-4085-A4E3-B5565466BD91}" type="slidenum">
               <a:rPr lang="en-US"/>
-              <a:pPr>
-                <a:defRPr/>
-              </a:pPr>
-              <a:t>‹#›</a:t>
             </a:fld>
             <a:endParaRPr lang="en-US" dirty="0"/>
           </a:p>
@@ -1760,16 +1690,11 @@
           <a:ln w="9525">
             <a:noFill/>
             <a:miter lim="800000"/>
-            <a:headEnd/>
-            <a:tailEnd/>
           </a:ln>
           <a:effectLst/>
         </p:spPr>
         <p:txBody>
           <a:bodyPr vert="horz" wrap="square" lIns="0" tIns="0" rIns="0" bIns="0" numCol="1" anchor="t" anchorCtr="0" compatLnSpc="1">
-            <a:prstTxWarp prst="textNoShape">
-              <a:avLst/>
-            </a:prstTxWarp>
             <a:spAutoFit/>
           </a:bodyPr>
           <a:lstStyle>
@@ -1795,6 +1720,7 @@
               <a:rPr lang="en-US" dirty="0"/>
               <a:t>Copyright © 2017 Elephant Scale. All rights reserved.</a:t>
             </a:r>
+            <a:endParaRPr lang="en-US" dirty="0"/>
           </a:p>
         </p:txBody>
       </p:sp>
@@ -1807,7 +1733,7 @@
           <p:nvPr/>
         </p:nvPicPr>
         <p:blipFill>
-          <a:blip r:embed="rId6"/>
+          <a:blip r:embed="rId5"/>
           <a:srcRect/>
           <a:stretch>
             <a:fillRect/>
@@ -1854,16 +1780,10 @@
           <a:ln w="9525">
             <a:noFill/>
             <a:miter lim="800000"/>
-            <a:headEnd/>
-            <a:tailEnd/>
           </a:ln>
         </p:spPr>
         <p:txBody>
-          <a:bodyPr vert="horz" wrap="square" lIns="92007" tIns="46005" rIns="92007" bIns="46005" numCol="1" anchor="b" anchorCtr="0" compatLnSpc="1">
-            <a:prstTxWarp prst="textNoShape">
-              <a:avLst/>
-            </a:prstTxWarp>
-          </a:bodyPr>
+          <a:bodyPr vert="horz" wrap="square" lIns="92007" tIns="46005" rIns="92007" bIns="46005" numCol="1" anchor="b" anchorCtr="0" compatLnSpc="1"/>
           <a:lstStyle/>
           <a:p>
             <a:pPr lvl="0"/>
@@ -1871,6 +1791,7 @@
               <a:rPr lang="en-US" dirty="0"/>
               <a:t>Click to edit Master title style</a:t>
             </a:r>
+            <a:endParaRPr lang="en-US" dirty="0"/>
           </a:p>
         </p:txBody>
       </p:sp>
@@ -1878,10 +1799,10 @@
   </p:cSld>
   <p:clrMap bg1="dk2" tx1="lt1" bg2="dk1" tx2="lt2" accent1="accent1" accent2="accent2" accent3="accent3" accent4="accent4" accent5="accent5" accent6="accent6" hlink="hlink" folHlink="folHlink"/>
   <p:sldLayoutIdLst>
-    <p:sldLayoutId id="2147483656" r:id="rId1"/>
-    <p:sldLayoutId id="2147483655" r:id="rId2"/>
-    <p:sldLayoutId id="2147483654" r:id="rId3"/>
-    <p:sldLayoutId id="2147483653" r:id="rId4"/>
+    <p:sldLayoutId id="2147483649" r:id="rId1"/>
+    <p:sldLayoutId id="2147483650" r:id="rId2"/>
+    <p:sldLayoutId id="2147483651" r:id="rId3"/>
+    <p:sldLayoutId id="2147483652" r:id="rId4"/>
   </p:sldLayoutIdLst>
   <p:hf hdr="0" dt="0"/>
   <p:txStyles>
@@ -1898,8 +1819,8 @@
             <a:schemeClr val="tx1"/>
           </a:solidFill>
           <a:latin typeface="+mj-lt"/>
-          <a:ea typeface="ＭＳ Ｐゴシック" pitchFamily="-110" charset="-128"/>
-          <a:cs typeface="ＭＳ Ｐゴシック" pitchFamily="-110" charset="-128"/>
+          <a:ea typeface="MS PGothic" pitchFamily="-110" charset="-128"/>
+          <a:cs typeface="MS PGothic" pitchFamily="-110" charset="-128"/>
         </a:defRPr>
       </a:lvl1pPr>
       <a:lvl2pPr algn="l" rtl="0" eaLnBrk="0" fontAlgn="base" hangingPunct="0">
@@ -1913,9 +1834,9 @@
           <a:solidFill>
             <a:schemeClr val="tx1"/>
           </a:solidFill>
-          <a:latin typeface="Verdana" pitchFamily="-110" charset="0"/>
-          <a:ea typeface="ＭＳ Ｐゴシック" pitchFamily="-110" charset="-128"/>
-          <a:cs typeface="ＭＳ Ｐゴシック" pitchFamily="-110" charset="-128"/>
+          <a:latin typeface="Verdana" panose="020B0604030504040204" pitchFamily="-110" charset="0"/>
+          <a:ea typeface="MS PGothic" pitchFamily="-110" charset="-128"/>
+          <a:cs typeface="MS PGothic" pitchFamily="-110" charset="-128"/>
         </a:defRPr>
       </a:lvl2pPr>
       <a:lvl3pPr algn="l" rtl="0" eaLnBrk="0" fontAlgn="base" hangingPunct="0">
@@ -1929,9 +1850,9 @@
           <a:solidFill>
             <a:schemeClr val="tx1"/>
           </a:solidFill>
-          <a:latin typeface="Verdana" pitchFamily="-110" charset="0"/>
-          <a:ea typeface="ＭＳ Ｐゴシック" pitchFamily="-110" charset="-128"/>
-          <a:cs typeface="ＭＳ Ｐゴシック" pitchFamily="-110" charset="-128"/>
+          <a:latin typeface="Verdana" panose="020B0604030504040204" pitchFamily="-110" charset="0"/>
+          <a:ea typeface="MS PGothic" pitchFamily="-110" charset="-128"/>
+          <a:cs typeface="MS PGothic" pitchFamily="-110" charset="-128"/>
         </a:defRPr>
       </a:lvl3pPr>
       <a:lvl4pPr algn="l" rtl="0" eaLnBrk="0" fontAlgn="base" hangingPunct="0">
@@ -1945,9 +1866,9 @@
           <a:solidFill>
             <a:schemeClr val="tx1"/>
           </a:solidFill>
-          <a:latin typeface="Verdana" pitchFamily="-110" charset="0"/>
-          <a:ea typeface="ＭＳ Ｐゴシック" pitchFamily="-110" charset="-128"/>
-          <a:cs typeface="ＭＳ Ｐゴシック" pitchFamily="-110" charset="-128"/>
+          <a:latin typeface="Verdana" panose="020B0604030504040204" pitchFamily="-110" charset="0"/>
+          <a:ea typeface="MS PGothic" pitchFamily="-110" charset="-128"/>
+          <a:cs typeface="MS PGothic" pitchFamily="-110" charset="-128"/>
         </a:defRPr>
       </a:lvl4pPr>
       <a:lvl5pPr algn="l" rtl="0" eaLnBrk="0" fontAlgn="base" hangingPunct="0">
@@ -1961,9 +1882,9 @@
           <a:solidFill>
             <a:schemeClr val="tx1"/>
           </a:solidFill>
-          <a:latin typeface="Verdana" pitchFamily="-110" charset="0"/>
-          <a:ea typeface="ＭＳ Ｐゴシック" pitchFamily="-110" charset="-128"/>
-          <a:cs typeface="ＭＳ Ｐゴシック" pitchFamily="-110" charset="-128"/>
+          <a:latin typeface="Verdana" panose="020B0604030504040204" pitchFamily="-110" charset="0"/>
+          <a:ea typeface="MS PGothic" pitchFamily="-110" charset="-128"/>
+          <a:cs typeface="MS PGothic" pitchFamily="-110" charset="-128"/>
         </a:defRPr>
       </a:lvl5pPr>
       <a:lvl6pPr marL="457200" algn="l" rtl="0" eaLnBrk="0" fontAlgn="base" hangingPunct="0">
@@ -1977,7 +1898,7 @@
           <a:solidFill>
             <a:schemeClr val="tx1"/>
           </a:solidFill>
-          <a:latin typeface="Verdana" pitchFamily="-110" charset="0"/>
+          <a:latin typeface="Verdana" panose="020B0604030504040204" pitchFamily="-110" charset="0"/>
         </a:defRPr>
       </a:lvl6pPr>
       <a:lvl7pPr marL="914400" algn="l" rtl="0" eaLnBrk="0" fontAlgn="base" hangingPunct="0">
@@ -1991,7 +1912,7 @@
           <a:solidFill>
             <a:schemeClr val="tx1"/>
           </a:solidFill>
-          <a:latin typeface="Verdana" pitchFamily="-110" charset="0"/>
+          <a:latin typeface="Verdana" panose="020B0604030504040204" pitchFamily="-110" charset="0"/>
         </a:defRPr>
       </a:lvl7pPr>
       <a:lvl8pPr marL="1371600" algn="l" rtl="0" eaLnBrk="0" fontAlgn="base" hangingPunct="0">
@@ -2005,7 +1926,7 @@
           <a:solidFill>
             <a:schemeClr val="tx1"/>
           </a:solidFill>
-          <a:latin typeface="Verdana" pitchFamily="-110" charset="0"/>
+          <a:latin typeface="Verdana" panose="020B0604030504040204" pitchFamily="-110" charset="0"/>
         </a:defRPr>
       </a:lvl8pPr>
       <a:lvl9pPr marL="1828800" algn="l" rtl="0" eaLnBrk="0" fontAlgn="base" hangingPunct="0">
@@ -2019,12 +1940,12 @@
           <a:solidFill>
             <a:schemeClr val="tx1"/>
           </a:solidFill>
-          <a:latin typeface="Verdana" pitchFamily="-110" charset="0"/>
+          <a:latin typeface="Verdana" panose="020B0604030504040204" pitchFamily="-110" charset="0"/>
         </a:defRPr>
       </a:lvl9pPr>
     </p:titleStyle>
     <p:bodyStyle>
-      <a:lvl1pPr marL="290513" indent="-290513" algn="l" rtl="0" eaLnBrk="0" fontAlgn="base" hangingPunct="0">
+      <a:lvl1pPr marL="290830" indent="-290830" algn="l" rtl="0" eaLnBrk="0" fontAlgn="base" hangingPunct="0">
         <a:spcBef>
           <a:spcPct val="20000"/>
         </a:spcBef>
@@ -2035,18 +1956,18 @@
           <a:schemeClr val="tx2"/>
         </a:buClr>
         <a:buSzPct val="65000"/>
-        <a:buFont typeface="Wingdings" pitchFamily="2" charset="2"/>
+        <a:buFont typeface="Wingdings" panose="05000000000000000000" pitchFamily="2" charset="2"/>
         <a:buChar char=""/>
         <a:defRPr sz="2400">
           <a:solidFill>
             <a:srgbClr val="000000"/>
           </a:solidFill>
           <a:latin typeface="+mn-lt"/>
-          <a:ea typeface="ＭＳ Ｐゴシック" pitchFamily="-110" charset="-128"/>
-          <a:cs typeface="ＭＳ Ｐゴシック" pitchFamily="-110" charset="-128"/>
+          <a:ea typeface="MS PGothic" pitchFamily="-110" charset="-128"/>
+          <a:cs typeface="MS PGothic" pitchFamily="-110" charset="-128"/>
         </a:defRPr>
       </a:lvl1pPr>
-      <a:lvl2pPr marL="633413" indent="-228600" algn="l" rtl="0" eaLnBrk="0" fontAlgn="base" hangingPunct="0">
+      <a:lvl2pPr marL="633730" indent="-228600" algn="l" rtl="0" eaLnBrk="0" fontAlgn="base" hangingPunct="0">
         <a:spcBef>
           <a:spcPct val="20000"/>
         </a:spcBef>
@@ -2062,11 +1983,11 @@
             <a:srgbClr val="000000"/>
           </a:solidFill>
           <a:latin typeface="+mn-lt"/>
-          <a:ea typeface="ＭＳ Ｐゴシック" pitchFamily="-110" charset="-128"/>
-          <a:cs typeface="ＭＳ Ｐゴシック"/>
+          <a:ea typeface="MS PGothic" pitchFamily="-110" charset="-128"/>
+          <a:cs typeface="MS PGothic"/>
         </a:defRPr>
       </a:lvl2pPr>
-      <a:lvl3pPr marL="969963" indent="-222250" algn="l" rtl="0" eaLnBrk="0" fontAlgn="base" hangingPunct="0">
+      <a:lvl3pPr marL="970280" indent="-222250" algn="l" rtl="0" eaLnBrk="0" fontAlgn="base" hangingPunct="0">
         <a:spcBef>
           <a:spcPct val="20000"/>
         </a:spcBef>
@@ -2079,11 +2000,11 @@
             <a:srgbClr val="000000"/>
           </a:solidFill>
           <a:latin typeface="+mn-lt"/>
-          <a:ea typeface="ＭＳ Ｐゴシック" pitchFamily="-110" charset="-128"/>
-          <a:cs typeface="ＭＳ Ｐゴシック"/>
+          <a:ea typeface="MS PGothic" pitchFamily="-110" charset="-128"/>
+          <a:cs typeface="MS PGothic"/>
         </a:defRPr>
       </a:lvl3pPr>
-      <a:lvl4pPr marL="1258888" indent="-228600" algn="l" rtl="0" eaLnBrk="0" fontAlgn="base" hangingPunct="0">
+      <a:lvl4pPr marL="1259205" indent="-228600" algn="l" rtl="0" eaLnBrk="0" fontAlgn="base" hangingPunct="0">
         <a:spcBef>
           <a:spcPct val="0"/>
         </a:spcBef>
@@ -2101,11 +2022,11 @@
             <a:srgbClr val="000000"/>
           </a:solidFill>
           <a:latin typeface="+mn-lt"/>
-          <a:ea typeface="ＭＳ Ｐゴシック" pitchFamily="-110" charset="-128"/>
-          <a:cs typeface="ＭＳ Ｐゴシック"/>
+          <a:ea typeface="MS PGothic" pitchFamily="-110" charset="-128"/>
+          <a:cs typeface="MS PGothic"/>
         </a:defRPr>
       </a:lvl4pPr>
-      <a:lvl5pPr marL="2055813" indent="-230188" algn="l" rtl="0" eaLnBrk="0" fontAlgn="base" hangingPunct="0">
+      <a:lvl5pPr marL="2056130" indent="-230505" algn="l" rtl="0" eaLnBrk="0" fontAlgn="base" hangingPunct="0">
         <a:spcBef>
           <a:spcPct val="20000"/>
         </a:spcBef>
@@ -2119,12 +2040,12 @@
           <a:solidFill>
             <a:schemeClr val="tx1"/>
           </a:solidFill>
-          <a:latin typeface="Times New Roman" pitchFamily="-110" charset="0"/>
-          <a:ea typeface="ＭＳ Ｐゴシック" pitchFamily="-110" charset="-128"/>
-          <a:cs typeface="ＭＳ Ｐゴシック"/>
+          <a:latin typeface="Times New Roman" panose="02020603050405020304" pitchFamily="-110" charset="0"/>
+          <a:ea typeface="MS PGothic" pitchFamily="-110" charset="-128"/>
+          <a:cs typeface="MS PGothic"/>
         </a:defRPr>
       </a:lvl5pPr>
-      <a:lvl6pPr marL="2513013" indent="-230188" algn="l" rtl="0" eaLnBrk="0" fontAlgn="base" hangingPunct="0">
+      <a:lvl6pPr marL="2513330" indent="-230505" algn="l" rtl="0" eaLnBrk="0" fontAlgn="base" hangingPunct="0">
         <a:spcBef>
           <a:spcPct val="20000"/>
         </a:spcBef>
@@ -2138,11 +2059,11 @@
           <a:solidFill>
             <a:schemeClr val="tx1"/>
           </a:solidFill>
-          <a:latin typeface="Times New Roman" pitchFamily="-110" charset="0"/>
-          <a:ea typeface="ＭＳ Ｐゴシック" pitchFamily="-110" charset="-128"/>
+          <a:latin typeface="Times New Roman" panose="02020603050405020304" pitchFamily="-110" charset="0"/>
+          <a:ea typeface="MS PGothic" pitchFamily="-110" charset="-128"/>
         </a:defRPr>
       </a:lvl6pPr>
-      <a:lvl7pPr marL="2970213" indent="-230188" algn="l" rtl="0" eaLnBrk="0" fontAlgn="base" hangingPunct="0">
+      <a:lvl7pPr marL="2970530" indent="-230505" algn="l" rtl="0" eaLnBrk="0" fontAlgn="base" hangingPunct="0">
         <a:spcBef>
           <a:spcPct val="20000"/>
         </a:spcBef>
@@ -2156,11 +2077,11 @@
           <a:solidFill>
             <a:schemeClr val="tx1"/>
           </a:solidFill>
-          <a:latin typeface="Times New Roman" pitchFamily="-110" charset="0"/>
-          <a:ea typeface="ＭＳ Ｐゴシック" pitchFamily="-110" charset="-128"/>
+          <a:latin typeface="Times New Roman" panose="02020603050405020304" pitchFamily="-110" charset="0"/>
+          <a:ea typeface="MS PGothic" pitchFamily="-110" charset="-128"/>
         </a:defRPr>
       </a:lvl7pPr>
-      <a:lvl8pPr marL="3427413" indent="-230188" algn="l" rtl="0" eaLnBrk="0" fontAlgn="base" hangingPunct="0">
+      <a:lvl8pPr marL="3427730" indent="-230505" algn="l" rtl="0" eaLnBrk="0" fontAlgn="base" hangingPunct="0">
         <a:spcBef>
           <a:spcPct val="20000"/>
         </a:spcBef>
@@ -2174,11 +2095,11 @@
           <a:solidFill>
             <a:schemeClr val="tx1"/>
           </a:solidFill>
-          <a:latin typeface="Times New Roman" pitchFamily="-110" charset="0"/>
-          <a:ea typeface="ＭＳ Ｐゴシック" pitchFamily="-110" charset="-128"/>
+          <a:latin typeface="Times New Roman" panose="02020603050405020304" pitchFamily="-110" charset="0"/>
+          <a:ea typeface="MS PGothic" pitchFamily="-110" charset="-128"/>
         </a:defRPr>
       </a:lvl8pPr>
-      <a:lvl9pPr marL="3884613" indent="-230188" algn="l" rtl="0" eaLnBrk="0" fontAlgn="base" hangingPunct="0">
+      <a:lvl9pPr marL="3884930" indent="-230505" algn="l" rtl="0" eaLnBrk="0" fontAlgn="base" hangingPunct="0">
         <a:spcBef>
           <a:spcPct val="20000"/>
         </a:spcBef>
@@ -2192,8 +2113,8 @@
           <a:solidFill>
             <a:schemeClr val="tx1"/>
           </a:solidFill>
-          <a:latin typeface="Times New Roman" pitchFamily="-110" charset="0"/>
-          <a:ea typeface="ＭＳ Ｐゴシック" pitchFamily="-110" charset="-128"/>
+          <a:latin typeface="Times New Roman" panose="02020603050405020304" pitchFamily="-110" charset="0"/>
+          <a:ea typeface="MS PGothic" pitchFamily="-110" charset="-128"/>
         </a:defRPr>
       </a:lvl9pPr>
     </p:bodyStyle>
@@ -2297,7 +2218,7 @@
 </file>
 
 <file path=ppt/slides/slide1.xml><?xml version="1.0" encoding="utf-8"?>
-<p:sld xmlns:a="http://schemas.openxmlformats.org/drawingml/2006/main" xmlns:p="http://schemas.openxmlformats.org/presentationml/2006/main" xmlns:r="http://schemas.openxmlformats.org/officeDocument/2006/relationships">
+<p:sld xmlns:a="http://schemas.openxmlformats.org/drawingml/2006/main" xmlns:r="http://schemas.openxmlformats.org/officeDocument/2006/relationships" xmlns:p="http://schemas.openxmlformats.org/presentationml/2006/main">
   <p:cSld>
     <p:spTree>
       <p:nvGrpSpPr>
@@ -2313,7 +2234,7 @@
             <a:spLocks noGrp="1"/>
           </p:cNvSpPr>
           <p:nvPr>
-            <p:ph type="subTitle" idx="1" sz="quarter"/>
+            <p:ph type="subTitle" sz="quarter" idx="1"/>
           </p:nvPr>
         </p:nvSpPr>
         <p:spPr/>
@@ -2374,6 +2295,11 @@
               </a:rPr>
               <a:t>Copyright © 2021 by Elephant Scale, All Rights Reserved</a:t>
             </a:r>
+            <a:endParaRPr sz="800">
+              <a:solidFill>
+                <a:srgbClr val="000000"/>
+              </a:solidFill>
+            </a:endParaRPr>
           </a:p>
         </p:txBody>
       </p:sp>
@@ -2386,7 +2312,7 @@
 </file>
 
 <file path=ppt/slides/slide10.xml><?xml version="1.0" encoding="utf-8"?>
-<p:sld xmlns:a="http://schemas.openxmlformats.org/drawingml/2006/main" xmlns:p="http://schemas.openxmlformats.org/presentationml/2006/main" xmlns:r="http://schemas.openxmlformats.org/officeDocument/2006/relationships">
+<p:sld xmlns:a="http://schemas.openxmlformats.org/drawingml/2006/main" xmlns:r="http://schemas.openxmlformats.org/officeDocument/2006/relationships" xmlns:p="http://schemas.openxmlformats.org/presentationml/2006/main">
   <p:cSld>
     <p:spTree>
       <p:nvGrpSpPr>
@@ -2497,6 +2423,11 @@
               </a:rPr>
               <a:t>Copyright © 2021 by Elephant Scale, All Rights Reserved</a:t>
             </a:r>
+            <a:endParaRPr sz="800">
+              <a:solidFill>
+                <a:srgbClr val="000000"/>
+              </a:solidFill>
+            </a:endParaRPr>
           </a:p>
         </p:txBody>
       </p:sp>
@@ -2509,7 +2440,7 @@
 </file>
 
 <file path=ppt/slides/slide11.xml><?xml version="1.0" encoding="utf-8"?>
-<p:sld xmlns:a="http://schemas.openxmlformats.org/drawingml/2006/main" xmlns:p="http://schemas.openxmlformats.org/presentationml/2006/main" xmlns:r="http://schemas.openxmlformats.org/officeDocument/2006/relationships">
+<p:sld xmlns:a="http://schemas.openxmlformats.org/drawingml/2006/main" xmlns:r="http://schemas.openxmlformats.org/officeDocument/2006/relationships" xmlns:p="http://schemas.openxmlformats.org/presentationml/2006/main">
   <p:cSld>
     <p:spTree>
       <p:nvGrpSpPr>
@@ -2651,6 +2582,11 @@
               </a:rPr>
               <a:t>Copyright © 2021 by Elephant Scale, All Rights Reserved</a:t>
             </a:r>
+            <a:endParaRPr sz="800">
+              <a:solidFill>
+                <a:srgbClr val="000000"/>
+              </a:solidFill>
+            </a:endParaRPr>
           </a:p>
         </p:txBody>
       </p:sp>
@@ -2663,7 +2599,7 @@
 </file>
 
 <file path=ppt/slides/slide12.xml><?xml version="1.0" encoding="utf-8"?>
-<p:sld xmlns:a="http://schemas.openxmlformats.org/drawingml/2006/main" xmlns:p="http://schemas.openxmlformats.org/presentationml/2006/main" xmlns:r="http://schemas.openxmlformats.org/officeDocument/2006/relationships">
+<p:sld xmlns:a="http://schemas.openxmlformats.org/drawingml/2006/main" xmlns:r="http://schemas.openxmlformats.org/officeDocument/2006/relationships" xmlns:p="http://schemas.openxmlformats.org/presentationml/2006/main">
   <p:cSld>
     <p:spTree>
       <p:nvGrpSpPr>
@@ -2748,6 +2684,11 @@
               </a:rPr>
               <a:t>Copyright © 2021 by Elephant Scale, All Rights Reserved</a:t>
             </a:r>
+            <a:endParaRPr sz="800">
+              <a:solidFill>
+                <a:srgbClr val="000000"/>
+              </a:solidFill>
+            </a:endParaRPr>
           </a:p>
         </p:txBody>
       </p:sp>
@@ -2760,15 +2701,15 @@
           <p:nvPr/>
         </p:nvPicPr>
         <p:blipFill>
-          <a:blip r:embed="rId2"/>
+          <a:blip r:embed="rId1"/>
           <a:stretch>
             <a:fillRect/>
           </a:stretch>
         </p:blipFill>
         <p:spPr>
           <a:xfrm>
-            <a:off x="704088" y="914400"/>
-            <a:ext cx="10858500" cy="5054600"/>
+            <a:off x="704215" y="2015490"/>
+            <a:ext cx="8492490" cy="3953510"/>
           </a:xfrm>
           <a:prstGeom prst="rect">
             <a:avLst/>
@@ -2784,7 +2725,7 @@
 </file>
 
 <file path=ppt/slides/slide13.xml><?xml version="1.0" encoding="utf-8"?>
-<p:sld xmlns:a="http://schemas.openxmlformats.org/drawingml/2006/main" xmlns:p="http://schemas.openxmlformats.org/presentationml/2006/main" xmlns:r="http://schemas.openxmlformats.org/officeDocument/2006/relationships">
+<p:sld xmlns:a="http://schemas.openxmlformats.org/drawingml/2006/main" xmlns:r="http://schemas.openxmlformats.org/officeDocument/2006/relationships" xmlns:p="http://schemas.openxmlformats.org/presentationml/2006/main">
   <p:cSld>
     <p:spTree>
       <p:nvGrpSpPr>
@@ -2869,6 +2810,11 @@
               </a:rPr>
               <a:t>Copyright © 2021 by Elephant Scale, All Rights Reserved</a:t>
             </a:r>
+            <a:endParaRPr sz="800">
+              <a:solidFill>
+                <a:srgbClr val="000000"/>
+              </a:solidFill>
+            </a:endParaRPr>
           </a:p>
         </p:txBody>
       </p:sp>
@@ -2881,15 +2827,15 @@
           <p:nvPr/>
         </p:nvPicPr>
         <p:blipFill>
-          <a:blip r:embed="rId2"/>
+          <a:blip r:embed="rId1"/>
           <a:stretch>
             <a:fillRect/>
           </a:stretch>
         </p:blipFill>
         <p:spPr>
           <a:xfrm>
-            <a:off x="704088" y="914400"/>
-            <a:ext cx="9321800" cy="5130800"/>
+            <a:off x="704215" y="1395730"/>
+            <a:ext cx="8446770" cy="4649470"/>
           </a:xfrm>
           <a:prstGeom prst="rect">
             <a:avLst/>
@@ -2905,7 +2851,7 @@
 </file>
 
 <file path=ppt/slides/slide14.xml><?xml version="1.0" encoding="utf-8"?>
-<p:sld xmlns:a="http://schemas.openxmlformats.org/drawingml/2006/main" xmlns:p="http://schemas.openxmlformats.org/presentationml/2006/main" xmlns:r="http://schemas.openxmlformats.org/officeDocument/2006/relationships">
+<p:sld xmlns:a="http://schemas.openxmlformats.org/drawingml/2006/main" xmlns:r="http://schemas.openxmlformats.org/officeDocument/2006/relationships" xmlns:p="http://schemas.openxmlformats.org/presentationml/2006/main">
   <p:cSld>
     <p:spTree>
       <p:nvGrpSpPr>
@@ -3024,6 +2970,11 @@
               </a:rPr>
               <a:t>Copyright © 2021 by Elephant Scale, All Rights Reserved</a:t>
             </a:r>
+            <a:endParaRPr sz="800">
+              <a:solidFill>
+                <a:srgbClr val="000000"/>
+              </a:solidFill>
+            </a:endParaRPr>
           </a:p>
         </p:txBody>
       </p:sp>
@@ -3036,7 +2987,7 @@
 </file>
 
 <file path=ppt/slides/slide15.xml><?xml version="1.0" encoding="utf-8"?>
-<p:sld xmlns:a="http://schemas.openxmlformats.org/drawingml/2006/main" xmlns:p="http://schemas.openxmlformats.org/presentationml/2006/main" xmlns:r="http://schemas.openxmlformats.org/officeDocument/2006/relationships">
+<p:sld xmlns:a="http://schemas.openxmlformats.org/drawingml/2006/main" xmlns:r="http://schemas.openxmlformats.org/officeDocument/2006/relationships" xmlns:p="http://schemas.openxmlformats.org/presentationml/2006/main">
   <p:cSld>
     <p:spTree>
       <p:nvGrpSpPr>
@@ -3085,6 +3036,7 @@
               <a:rPr b="1"/>
               <a:t> Ephemeral access</a:t>
             </a:r>
+            <a:endParaRPr b="1"/>
           </a:p>
           <a:p>
             <a:pPr lvl="1"/>
@@ -3156,6 +3108,11 @@
               </a:rPr>
               <a:t>Copyright © 2021 by Elephant Scale, All Rights Reserved</a:t>
             </a:r>
+            <a:endParaRPr sz="800">
+              <a:solidFill>
+                <a:srgbClr val="000000"/>
+              </a:solidFill>
+            </a:endParaRPr>
           </a:p>
         </p:txBody>
       </p:sp>
@@ -3168,14 +3125,14 @@
           <p:nvPr/>
         </p:nvPicPr>
         <p:blipFill>
-          <a:blip r:embed="rId2"/>
+          <a:blip r:embed="rId1"/>
           <a:stretch>
             <a:fillRect/>
           </a:stretch>
         </p:blipFill>
         <p:spPr>
           <a:xfrm>
-            <a:off x="704088" y="4425696"/>
+            <a:off x="799973" y="4148836"/>
             <a:ext cx="7507224" cy="3729132"/>
           </a:xfrm>
           <a:prstGeom prst="rect">
@@ -3192,7 +3149,7 @@
 </file>
 
 <file path=ppt/slides/slide16.xml><?xml version="1.0" encoding="utf-8"?>
-<p:sld xmlns:a="http://schemas.openxmlformats.org/drawingml/2006/main" xmlns:p="http://schemas.openxmlformats.org/presentationml/2006/main" xmlns:r="http://schemas.openxmlformats.org/officeDocument/2006/relationships">
+<p:sld xmlns:a="http://schemas.openxmlformats.org/drawingml/2006/main" xmlns:r="http://schemas.openxmlformats.org/officeDocument/2006/relationships" xmlns:p="http://schemas.openxmlformats.org/presentationml/2006/main">
   <p:cSld>
     <p:spTree>
       <p:nvGrpSpPr>
@@ -3264,6 +3221,7 @@
               <a:rPr b="1"/>
               <a:t> "Dynamic secret"</a:t>
             </a:r>
+            <a:endParaRPr b="1"/>
           </a:p>
           <a:p>
             <a:pPr lvl="1"/>
@@ -3315,6 +3273,11 @@
               </a:rPr>
               <a:t>Copyright © 2021 by Elephant Scale, All Rights Reserved</a:t>
             </a:r>
+            <a:endParaRPr sz="800">
+              <a:solidFill>
+                <a:srgbClr val="000000"/>
+              </a:solidFill>
+            </a:endParaRPr>
           </a:p>
         </p:txBody>
       </p:sp>
@@ -3327,7 +3290,7 @@
 </file>
 
 <file path=ppt/slides/slide17.xml><?xml version="1.0" encoding="utf-8"?>
-<p:sld xmlns:a="http://schemas.openxmlformats.org/drawingml/2006/main" xmlns:p="http://schemas.openxmlformats.org/presentationml/2006/main" xmlns:r="http://schemas.openxmlformats.org/officeDocument/2006/relationships">
+<p:sld xmlns:a="http://schemas.openxmlformats.org/drawingml/2006/main" xmlns:r="http://schemas.openxmlformats.org/officeDocument/2006/relationships" xmlns:p="http://schemas.openxmlformats.org/presentationml/2006/main">
   <p:cSld>
     <p:spTree>
       <p:nvGrpSpPr>
@@ -3475,6 +3438,11 @@
               </a:rPr>
               <a:t>Copyright © 2021 by Elephant Scale, All Rights Reserved</a:t>
             </a:r>
+            <a:endParaRPr sz="800">
+              <a:solidFill>
+                <a:srgbClr val="000000"/>
+              </a:solidFill>
+            </a:endParaRPr>
           </a:p>
         </p:txBody>
       </p:sp>
@@ -3487,7 +3455,7 @@
 </file>
 
 <file path=ppt/slides/slide18.xml><?xml version="1.0" encoding="utf-8"?>
-<p:sld xmlns:a="http://schemas.openxmlformats.org/drawingml/2006/main" xmlns:p="http://schemas.openxmlformats.org/presentationml/2006/main" xmlns:r="http://schemas.openxmlformats.org/officeDocument/2006/relationships">
+<p:sld xmlns:a="http://schemas.openxmlformats.org/drawingml/2006/main" xmlns:r="http://schemas.openxmlformats.org/officeDocument/2006/relationships" xmlns:p="http://schemas.openxmlformats.org/presentationml/2006/main">
   <p:cSld>
     <p:spTree>
       <p:nvGrpSpPr>
@@ -3612,6 +3580,11 @@
               </a:rPr>
               <a:t>Copyright © 2021 by Elephant Scale, All Rights Reserved</a:t>
             </a:r>
+            <a:endParaRPr sz="800">
+              <a:solidFill>
+                <a:srgbClr val="000000"/>
+              </a:solidFill>
+            </a:endParaRPr>
           </a:p>
         </p:txBody>
       </p:sp>
@@ -3624,7 +3597,7 @@
 </file>
 
 <file path=ppt/slides/slide19.xml><?xml version="1.0" encoding="utf-8"?>
-<p:sld xmlns:a="http://schemas.openxmlformats.org/drawingml/2006/main" xmlns:p="http://schemas.openxmlformats.org/presentationml/2006/main" xmlns:r="http://schemas.openxmlformats.org/officeDocument/2006/relationships">
+<p:sld xmlns:a="http://schemas.openxmlformats.org/drawingml/2006/main" xmlns:r="http://schemas.openxmlformats.org/officeDocument/2006/relationships" xmlns:p="http://schemas.openxmlformats.org/presentationml/2006/main">
   <p:cSld>
     <p:spTree>
       <p:nvGrpSpPr>
@@ -3776,6 +3749,11 @@
               </a:rPr>
               <a:t>Copyright © 2021 by Elephant Scale, All Rights Reserved</a:t>
             </a:r>
+            <a:endParaRPr sz="800">
+              <a:solidFill>
+                <a:srgbClr val="000000"/>
+              </a:solidFill>
+            </a:endParaRPr>
           </a:p>
         </p:txBody>
       </p:sp>
@@ -3788,7 +3766,7 @@
 </file>
 
 <file path=ppt/slides/slide2.xml><?xml version="1.0" encoding="utf-8"?>
-<p:sld xmlns:a="http://schemas.openxmlformats.org/drawingml/2006/main" xmlns:p="http://schemas.openxmlformats.org/presentationml/2006/main" xmlns:r="http://schemas.openxmlformats.org/officeDocument/2006/relationships">
+<p:sld xmlns:a="http://schemas.openxmlformats.org/drawingml/2006/main" xmlns:r="http://schemas.openxmlformats.org/officeDocument/2006/relationships" xmlns:p="http://schemas.openxmlformats.org/presentationml/2006/main">
   <p:cSld>
     <p:spTree>
       <p:nvGrpSpPr>
@@ -3894,6 +3872,11 @@
               </a:rPr>
               <a:t>Copyright © 2021 by Elephant Scale, All Rights Reserved</a:t>
             </a:r>
+            <a:endParaRPr sz="800">
+              <a:solidFill>
+                <a:srgbClr val="000000"/>
+              </a:solidFill>
+            </a:endParaRPr>
           </a:p>
         </p:txBody>
       </p:sp>
@@ -3906,7 +3889,7 @@
           <p:nvPr/>
         </p:nvPicPr>
         <p:blipFill>
-          <a:blip r:embed="rId2"/>
+          <a:blip r:embed="rId1"/>
           <a:stretch>
             <a:fillRect/>
           </a:stretch>
@@ -3930,7 +3913,7 @@
 </file>
 
 <file path=ppt/slides/slide20.xml><?xml version="1.0" encoding="utf-8"?>
-<p:sld xmlns:a="http://schemas.openxmlformats.org/drawingml/2006/main" xmlns:p="http://schemas.openxmlformats.org/presentationml/2006/main" xmlns:r="http://schemas.openxmlformats.org/officeDocument/2006/relationships">
+<p:sld xmlns:a="http://schemas.openxmlformats.org/drawingml/2006/main" xmlns:r="http://schemas.openxmlformats.org/officeDocument/2006/relationships" xmlns:p="http://schemas.openxmlformats.org/presentationml/2006/main">
   <p:cSld>
     <p:spTree>
       <p:nvGrpSpPr>
@@ -4031,6 +4014,7 @@
               <a:rPr b="1"/>
               <a:t> simplicity</a:t>
             </a:r>
+            <a:endParaRPr b="1"/>
           </a:p>
           <a:p>
             <a:pPr lvl="1"/>
@@ -4070,6 +4054,11 @@
               </a:rPr>
               <a:t>Copyright © 2021 by Elephant Scale, All Rights Reserved</a:t>
             </a:r>
+            <a:endParaRPr sz="800">
+              <a:solidFill>
+                <a:srgbClr val="000000"/>
+              </a:solidFill>
+            </a:endParaRPr>
           </a:p>
         </p:txBody>
       </p:sp>
@@ -4082,7 +4071,7 @@
 </file>
 
 <file path=ppt/slides/slide21.xml><?xml version="1.0" encoding="utf-8"?>
-<p:sld xmlns:a="http://schemas.openxmlformats.org/drawingml/2006/main" xmlns:p="http://schemas.openxmlformats.org/presentationml/2006/main" xmlns:r="http://schemas.openxmlformats.org/officeDocument/2006/relationships">
+<p:sld xmlns:a="http://schemas.openxmlformats.org/drawingml/2006/main" xmlns:r="http://schemas.openxmlformats.org/officeDocument/2006/relationships" xmlns:p="http://schemas.openxmlformats.org/presentationml/2006/main">
   <p:cSld>
     <p:spTree>
       <p:nvGrpSpPr>
@@ -4165,6 +4154,11 @@
               </a:rPr>
               <a:t>Copyright © 2021 by Elephant Scale, All Rights Reserved</a:t>
             </a:r>
+            <a:endParaRPr sz="800">
+              <a:solidFill>
+                <a:srgbClr val="000000"/>
+              </a:solidFill>
+            </a:endParaRPr>
           </a:p>
         </p:txBody>
       </p:sp>
@@ -4177,15 +4171,15 @@
           <p:nvPr/>
         </p:nvPicPr>
         <p:blipFill>
-          <a:blip r:embed="rId2"/>
+          <a:blip r:embed="rId1"/>
           <a:stretch>
             <a:fillRect/>
           </a:stretch>
         </p:blipFill>
         <p:spPr>
           <a:xfrm>
-            <a:off x="704088" y="914400"/>
-            <a:ext cx="10972800" cy="3822700"/>
+            <a:off x="704215" y="1859280"/>
+            <a:ext cx="8260715" cy="2877820"/>
           </a:xfrm>
           <a:prstGeom prst="rect">
             <a:avLst/>
@@ -4201,7 +4195,7 @@
 </file>
 
 <file path=ppt/slides/slide22.xml><?xml version="1.0" encoding="utf-8"?>
-<p:sld xmlns:a="http://schemas.openxmlformats.org/drawingml/2006/main" xmlns:p="http://schemas.openxmlformats.org/presentationml/2006/main" xmlns:r="http://schemas.openxmlformats.org/officeDocument/2006/relationships">
+<p:sld xmlns:a="http://schemas.openxmlformats.org/drawingml/2006/main" xmlns:r="http://schemas.openxmlformats.org/officeDocument/2006/relationships" xmlns:p="http://schemas.openxmlformats.org/presentationml/2006/main">
   <p:cSld>
     <p:spTree>
       <p:nvGrpSpPr>
@@ -4285,6 +4279,11 @@
               </a:rPr>
               <a:t>Copyright © 2021 by Elephant Scale, All Rights Reserved</a:t>
             </a:r>
+            <a:endParaRPr sz="800">
+              <a:solidFill>
+                <a:srgbClr val="000000"/>
+              </a:solidFill>
+            </a:endParaRPr>
           </a:p>
         </p:txBody>
       </p:sp>
@@ -4297,7 +4296,7 @@
           <p:nvPr/>
         </p:nvPicPr>
         <p:blipFill>
-          <a:blip r:embed="rId2"/>
+          <a:blip r:embed="rId1"/>
           <a:stretch>
             <a:fillRect/>
           </a:stretch>
@@ -4321,7 +4320,7 @@
 </file>
 
 <file path=ppt/slides/slide23.xml><?xml version="1.0" encoding="utf-8"?>
-<p:sld xmlns:a="http://schemas.openxmlformats.org/drawingml/2006/main" xmlns:p="http://schemas.openxmlformats.org/presentationml/2006/main" xmlns:r="http://schemas.openxmlformats.org/officeDocument/2006/relationships">
+<p:sld xmlns:a="http://schemas.openxmlformats.org/drawingml/2006/main" xmlns:r="http://schemas.openxmlformats.org/officeDocument/2006/relationships" xmlns:p="http://schemas.openxmlformats.org/presentationml/2006/main">
   <p:cSld>
     <p:spTree>
       <p:nvGrpSpPr>
@@ -4405,6 +4404,11 @@
               </a:rPr>
               <a:t>Copyright © 2021 by Elephant Scale, All Rights Reserved</a:t>
             </a:r>
+            <a:endParaRPr sz="800">
+              <a:solidFill>
+                <a:srgbClr val="000000"/>
+              </a:solidFill>
+            </a:endParaRPr>
           </a:p>
         </p:txBody>
       </p:sp>
@@ -4417,15 +4421,15 @@
           <p:nvPr/>
         </p:nvPicPr>
         <p:blipFill>
-          <a:blip r:embed="rId2"/>
+          <a:blip r:embed="rId1"/>
           <a:stretch>
             <a:fillRect/>
           </a:stretch>
         </p:blipFill>
         <p:spPr>
           <a:xfrm>
-            <a:off x="704088" y="914400"/>
-            <a:ext cx="9499600" cy="4279900"/>
+            <a:off x="704215" y="1394460"/>
+            <a:ext cx="8433435" cy="3799840"/>
           </a:xfrm>
           <a:prstGeom prst="rect">
             <a:avLst/>
@@ -4441,7 +4445,7 @@
 </file>
 
 <file path=ppt/slides/slide24.xml><?xml version="1.0" encoding="utf-8"?>
-<p:sld xmlns:a="http://schemas.openxmlformats.org/drawingml/2006/main" xmlns:p="http://schemas.openxmlformats.org/presentationml/2006/main" xmlns:r="http://schemas.openxmlformats.org/officeDocument/2006/relationships">
+<p:sld xmlns:a="http://schemas.openxmlformats.org/drawingml/2006/main" xmlns:r="http://schemas.openxmlformats.org/officeDocument/2006/relationships" xmlns:p="http://schemas.openxmlformats.org/presentationml/2006/main">
   <p:cSld>
     <p:spTree>
       <p:nvGrpSpPr>
@@ -4524,6 +4528,11 @@
               </a:rPr>
               <a:t>Copyright © 2021 by Elephant Scale, All Rights Reserved</a:t>
             </a:r>
+            <a:endParaRPr sz="800">
+              <a:solidFill>
+                <a:srgbClr val="000000"/>
+              </a:solidFill>
+            </a:endParaRPr>
           </a:p>
         </p:txBody>
       </p:sp>
@@ -4536,15 +4545,15 @@
           <p:nvPr/>
         </p:nvPicPr>
         <p:blipFill>
-          <a:blip r:embed="rId2"/>
+          <a:blip r:embed="rId1"/>
           <a:stretch>
             <a:fillRect/>
           </a:stretch>
         </p:blipFill>
         <p:spPr>
           <a:xfrm>
-            <a:off x="704088" y="914400"/>
-            <a:ext cx="9512300" cy="4025900"/>
+            <a:off x="704215" y="1533525"/>
+            <a:ext cx="8129905" cy="3441065"/>
           </a:xfrm>
           <a:prstGeom prst="rect">
             <a:avLst/>
@@ -4560,7 +4569,7 @@
 </file>
 
 <file path=ppt/slides/slide25.xml><?xml version="1.0" encoding="utf-8"?>
-<p:sld xmlns:a="http://schemas.openxmlformats.org/drawingml/2006/main" xmlns:p="http://schemas.openxmlformats.org/presentationml/2006/main" xmlns:r="http://schemas.openxmlformats.org/officeDocument/2006/relationships">
+<p:sld xmlns:a="http://schemas.openxmlformats.org/drawingml/2006/main" xmlns:r="http://schemas.openxmlformats.org/officeDocument/2006/relationships" xmlns:p="http://schemas.openxmlformats.org/presentationml/2006/main">
   <p:cSld>
     <p:spTree>
       <p:nvGrpSpPr>
@@ -4643,6 +4652,11 @@
               </a:rPr>
               <a:t>Copyright © 2021 by Elephant Scale, All Rights Reserved</a:t>
             </a:r>
+            <a:endParaRPr sz="800">
+              <a:solidFill>
+                <a:srgbClr val="000000"/>
+              </a:solidFill>
+            </a:endParaRPr>
           </a:p>
         </p:txBody>
       </p:sp>
@@ -4655,15 +4669,15 @@
           <p:nvPr/>
         </p:nvPicPr>
         <p:blipFill>
-          <a:blip r:embed="rId2"/>
+          <a:blip r:embed="rId1"/>
           <a:stretch>
             <a:fillRect/>
           </a:stretch>
         </p:blipFill>
         <p:spPr>
           <a:xfrm>
-            <a:off x="704088" y="914400"/>
-            <a:ext cx="9652000" cy="4089400"/>
+            <a:off x="723900" y="1490345"/>
+            <a:ext cx="8193405" cy="3471545"/>
           </a:xfrm>
           <a:prstGeom prst="rect">
             <a:avLst/>
@@ -4679,7 +4693,7 @@
 </file>
 
 <file path=ppt/slides/slide26.xml><?xml version="1.0" encoding="utf-8"?>
-<p:sld xmlns:a="http://schemas.openxmlformats.org/drawingml/2006/main" xmlns:p="http://schemas.openxmlformats.org/presentationml/2006/main" xmlns:r="http://schemas.openxmlformats.org/officeDocument/2006/relationships">
+<p:sld xmlns:a="http://schemas.openxmlformats.org/drawingml/2006/main" xmlns:r="http://schemas.openxmlformats.org/officeDocument/2006/relationships" xmlns:p="http://schemas.openxmlformats.org/presentationml/2006/main">
   <p:cSld>
     <p:spTree>
       <p:nvGrpSpPr>
@@ -4763,6 +4777,11 @@
               </a:rPr>
               <a:t>Copyright © 2021 by Elephant Scale, All Rights Reserved</a:t>
             </a:r>
+            <a:endParaRPr sz="800">
+              <a:solidFill>
+                <a:srgbClr val="000000"/>
+              </a:solidFill>
+            </a:endParaRPr>
           </a:p>
         </p:txBody>
       </p:sp>
@@ -4775,15 +4794,15 @@
           <p:nvPr/>
         </p:nvPicPr>
         <p:blipFill>
-          <a:blip r:embed="rId2"/>
+          <a:blip r:embed="rId1"/>
           <a:stretch>
             <a:fillRect/>
           </a:stretch>
         </p:blipFill>
         <p:spPr>
           <a:xfrm>
-            <a:off x="704088" y="914400"/>
-            <a:ext cx="10020300" cy="4495800"/>
+            <a:off x="704215" y="1679575"/>
+            <a:ext cx="8314690" cy="3730625"/>
           </a:xfrm>
           <a:prstGeom prst="rect">
             <a:avLst/>
@@ -4799,7 +4818,7 @@
 </file>
 
 <file path=ppt/slides/slide27.xml><?xml version="1.0" encoding="utf-8"?>
-<p:sld xmlns:a="http://schemas.openxmlformats.org/drawingml/2006/main" xmlns:p="http://schemas.openxmlformats.org/presentationml/2006/main" xmlns:r="http://schemas.openxmlformats.org/officeDocument/2006/relationships">
+<p:sld xmlns:a="http://schemas.openxmlformats.org/drawingml/2006/main" xmlns:r="http://schemas.openxmlformats.org/officeDocument/2006/relationships" xmlns:p="http://schemas.openxmlformats.org/presentationml/2006/main">
   <p:cSld>
     <p:spTree>
       <p:nvGrpSpPr>
@@ -4883,6 +4902,11 @@
               </a:rPr>
               <a:t>Copyright © 2021 by Elephant Scale, All Rights Reserved</a:t>
             </a:r>
+            <a:endParaRPr sz="800">
+              <a:solidFill>
+                <a:srgbClr val="000000"/>
+              </a:solidFill>
+            </a:endParaRPr>
           </a:p>
         </p:txBody>
       </p:sp>
@@ -4895,15 +4919,15 @@
           <p:nvPr/>
         </p:nvPicPr>
         <p:blipFill>
-          <a:blip r:embed="rId2"/>
+          <a:blip r:embed="rId1"/>
           <a:stretch>
             <a:fillRect/>
           </a:stretch>
         </p:blipFill>
         <p:spPr>
           <a:xfrm>
-            <a:off x="704088" y="914400"/>
-            <a:ext cx="10464800" cy="4165600"/>
+            <a:off x="704215" y="1745615"/>
+            <a:ext cx="8376285" cy="3334385"/>
           </a:xfrm>
           <a:prstGeom prst="rect">
             <a:avLst/>
@@ -4919,7 +4943,7 @@
 </file>
 
 <file path=ppt/slides/slide28.xml><?xml version="1.0" encoding="utf-8"?>
-<p:sld xmlns:a="http://schemas.openxmlformats.org/drawingml/2006/main" xmlns:p="http://schemas.openxmlformats.org/presentationml/2006/main" xmlns:r="http://schemas.openxmlformats.org/officeDocument/2006/relationships">
+<p:sld xmlns:a="http://schemas.openxmlformats.org/drawingml/2006/main" xmlns:r="http://schemas.openxmlformats.org/officeDocument/2006/relationships" xmlns:p="http://schemas.openxmlformats.org/presentationml/2006/main">
   <p:cSld>
     <p:spTree>
       <p:nvGrpSpPr>
@@ -5001,6 +5025,11 @@
               </a:rPr>
               <a:t>Copyright © 2021 by Elephant Scale, All Rights Reserved</a:t>
             </a:r>
+            <a:endParaRPr sz="800">
+              <a:solidFill>
+                <a:srgbClr val="000000"/>
+              </a:solidFill>
+            </a:endParaRPr>
           </a:p>
         </p:txBody>
       </p:sp>
@@ -5013,15 +5042,15 @@
           <p:nvPr/>
         </p:nvPicPr>
         <p:blipFill>
-          <a:blip r:embed="rId2"/>
+          <a:blip r:embed="rId1"/>
           <a:stretch>
             <a:fillRect/>
           </a:stretch>
         </p:blipFill>
         <p:spPr>
           <a:xfrm>
-            <a:off x="704088" y="914400"/>
-            <a:ext cx="10896600" cy="3251200"/>
+            <a:off x="704215" y="1690370"/>
+            <a:ext cx="8295005" cy="2475230"/>
           </a:xfrm>
           <a:prstGeom prst="rect">
             <a:avLst/>
@@ -5037,7 +5066,7 @@
 </file>
 
 <file path=ppt/slides/slide29.xml><?xml version="1.0" encoding="utf-8"?>
-<p:sld xmlns:a="http://schemas.openxmlformats.org/drawingml/2006/main" xmlns:p="http://schemas.openxmlformats.org/presentationml/2006/main" xmlns:r="http://schemas.openxmlformats.org/officeDocument/2006/relationships">
+<p:sld xmlns:a="http://schemas.openxmlformats.org/drawingml/2006/main" xmlns:r="http://schemas.openxmlformats.org/officeDocument/2006/relationships" xmlns:p="http://schemas.openxmlformats.org/presentationml/2006/main">
   <p:cSld>
     <p:spTree>
       <p:nvGrpSpPr>
@@ -5127,6 +5156,11 @@
               </a:rPr>
               <a:t>Copyright © 2021 by Elephant Scale, All Rights Reserved</a:t>
             </a:r>
+            <a:endParaRPr sz="800">
+              <a:solidFill>
+                <a:srgbClr val="000000"/>
+              </a:solidFill>
+            </a:endParaRPr>
           </a:p>
         </p:txBody>
       </p:sp>
@@ -5139,15 +5173,15 @@
           <p:nvPr/>
         </p:nvPicPr>
         <p:blipFill>
-          <a:blip r:embed="rId2"/>
+          <a:blip r:embed="rId1"/>
           <a:stretch>
             <a:fillRect/>
           </a:stretch>
         </p:blipFill>
         <p:spPr>
           <a:xfrm>
-            <a:off x="704088" y="914400"/>
-            <a:ext cx="10439400" cy="5067300"/>
+            <a:off x="704215" y="1831340"/>
+            <a:ext cx="8550275" cy="4150360"/>
           </a:xfrm>
           <a:prstGeom prst="rect">
             <a:avLst/>
@@ -5163,7 +5197,7 @@
 </file>
 
 <file path=ppt/slides/slide3.xml><?xml version="1.0" encoding="utf-8"?>
-<p:sld xmlns:a="http://schemas.openxmlformats.org/drawingml/2006/main" xmlns:p="http://schemas.openxmlformats.org/presentationml/2006/main" xmlns:r="http://schemas.openxmlformats.org/officeDocument/2006/relationships">
+<p:sld xmlns:a="http://schemas.openxmlformats.org/drawingml/2006/main" xmlns:r="http://schemas.openxmlformats.org/officeDocument/2006/relationships" xmlns:p="http://schemas.openxmlformats.org/presentationml/2006/main">
   <p:cSld>
     <p:spTree>
       <p:nvGrpSpPr>
@@ -5305,6 +5339,11 @@
               </a:rPr>
               <a:t>Copyright © 2021 by Elephant Scale, All Rights Reserved</a:t>
             </a:r>
+            <a:endParaRPr sz="800">
+              <a:solidFill>
+                <a:srgbClr val="000000"/>
+              </a:solidFill>
+            </a:endParaRPr>
           </a:p>
         </p:txBody>
       </p:sp>
@@ -5317,7 +5356,7 @@
 </file>
 
 <file path=ppt/slides/slide30.xml><?xml version="1.0" encoding="utf-8"?>
-<p:sld xmlns:a="http://schemas.openxmlformats.org/drawingml/2006/main" xmlns:p="http://schemas.openxmlformats.org/presentationml/2006/main" xmlns:r="http://schemas.openxmlformats.org/officeDocument/2006/relationships">
+<p:sld xmlns:a="http://schemas.openxmlformats.org/drawingml/2006/main" xmlns:r="http://schemas.openxmlformats.org/officeDocument/2006/relationships" xmlns:p="http://schemas.openxmlformats.org/presentationml/2006/main">
   <p:cSld>
     <p:spTree>
       <p:nvGrpSpPr>
@@ -5402,6 +5441,11 @@
               </a:rPr>
               <a:t>Copyright © 2021 by Elephant Scale, All Rights Reserved</a:t>
             </a:r>
+            <a:endParaRPr sz="800">
+              <a:solidFill>
+                <a:srgbClr val="000000"/>
+              </a:solidFill>
+            </a:endParaRPr>
           </a:p>
         </p:txBody>
       </p:sp>
@@ -5414,15 +5458,15 @@
           <p:nvPr/>
         </p:nvPicPr>
         <p:blipFill>
-          <a:blip r:embed="rId2"/>
+          <a:blip r:embed="rId1"/>
           <a:stretch>
             <a:fillRect/>
           </a:stretch>
         </p:blipFill>
         <p:spPr>
           <a:xfrm>
-            <a:off x="704088" y="914400"/>
-            <a:ext cx="11125200" cy="4838700"/>
+            <a:off x="704215" y="2008505"/>
+            <a:ext cx="8609330" cy="3744595"/>
           </a:xfrm>
           <a:prstGeom prst="rect">
             <a:avLst/>
@@ -5438,7 +5482,7 @@
 </file>
 
 <file path=ppt/slides/slide31.xml><?xml version="1.0" encoding="utf-8"?>
-<p:sld xmlns:a="http://schemas.openxmlformats.org/drawingml/2006/main" xmlns:p="http://schemas.openxmlformats.org/presentationml/2006/main" xmlns:r="http://schemas.openxmlformats.org/officeDocument/2006/relationships">
+<p:sld xmlns:a="http://schemas.openxmlformats.org/drawingml/2006/main" xmlns:r="http://schemas.openxmlformats.org/officeDocument/2006/relationships" xmlns:p="http://schemas.openxmlformats.org/presentationml/2006/main">
   <p:cSld>
     <p:spTree>
       <p:nvGrpSpPr>
@@ -5522,6 +5566,11 @@
               </a:rPr>
               <a:t>Copyright © 2021 by Elephant Scale, All Rights Reserved</a:t>
             </a:r>
+            <a:endParaRPr sz="800">
+              <a:solidFill>
+                <a:srgbClr val="000000"/>
+              </a:solidFill>
+            </a:endParaRPr>
           </a:p>
         </p:txBody>
       </p:sp>
@@ -5534,15 +5583,15 @@
           <p:nvPr/>
         </p:nvPicPr>
         <p:blipFill>
-          <a:blip r:embed="rId2"/>
+          <a:blip r:embed="rId1"/>
           <a:stretch>
             <a:fillRect/>
           </a:stretch>
         </p:blipFill>
         <p:spPr>
           <a:xfrm>
-            <a:off x="704088" y="914400"/>
-            <a:ext cx="10198100" cy="4432300"/>
+            <a:off x="704215" y="1739265"/>
+            <a:ext cx="8300085" cy="3607435"/>
           </a:xfrm>
           <a:prstGeom prst="rect">
             <a:avLst/>
@@ -5558,7 +5607,7 @@
 </file>
 
 <file path=ppt/slides/slide32.xml><?xml version="1.0" encoding="utf-8"?>
-<p:sld xmlns:a="http://schemas.openxmlformats.org/drawingml/2006/main" xmlns:p="http://schemas.openxmlformats.org/presentationml/2006/main" xmlns:r="http://schemas.openxmlformats.org/officeDocument/2006/relationships">
+<p:sld xmlns:a="http://schemas.openxmlformats.org/drawingml/2006/main" xmlns:r="http://schemas.openxmlformats.org/officeDocument/2006/relationships" xmlns:p="http://schemas.openxmlformats.org/presentationml/2006/main">
   <p:cSld>
     <p:spTree>
       <p:nvGrpSpPr>
@@ -5656,6 +5705,11 @@
               </a:rPr>
               <a:t>Copyright © 2021 by Elephant Scale, All Rights Reserved</a:t>
             </a:r>
+            <a:endParaRPr sz="800">
+              <a:solidFill>
+                <a:srgbClr val="000000"/>
+              </a:solidFill>
+            </a:endParaRPr>
           </a:p>
         </p:txBody>
       </p:sp>
@@ -5668,7 +5722,7 @@
 </file>
 
 <file path=ppt/slides/slide33.xml><?xml version="1.0" encoding="utf-8"?>
-<p:sld xmlns:a="http://schemas.openxmlformats.org/drawingml/2006/main" xmlns:p="http://schemas.openxmlformats.org/presentationml/2006/main" xmlns:r="http://schemas.openxmlformats.org/officeDocument/2006/relationships">
+<p:sld xmlns:a="http://schemas.openxmlformats.org/drawingml/2006/main" xmlns:r="http://schemas.openxmlformats.org/officeDocument/2006/relationships" xmlns:p="http://schemas.openxmlformats.org/presentationml/2006/main">
   <p:cSld>
     <p:spTree>
       <p:nvGrpSpPr>
@@ -5777,6 +5831,11 @@
               </a:rPr>
               <a:t>Copyright © 2021 by Elephant Scale, All Rights Reserved</a:t>
             </a:r>
+            <a:endParaRPr sz="800">
+              <a:solidFill>
+                <a:srgbClr val="000000"/>
+              </a:solidFill>
+            </a:endParaRPr>
           </a:p>
         </p:txBody>
       </p:sp>
@@ -5789,7 +5848,7 @@
 </file>
 
 <file path=ppt/slides/slide34.xml><?xml version="1.0" encoding="utf-8"?>
-<p:sld xmlns:a="http://schemas.openxmlformats.org/drawingml/2006/main" xmlns:p="http://schemas.openxmlformats.org/presentationml/2006/main" xmlns:r="http://schemas.openxmlformats.org/officeDocument/2006/relationships">
+<p:sld xmlns:a="http://schemas.openxmlformats.org/drawingml/2006/main" xmlns:r="http://schemas.openxmlformats.org/officeDocument/2006/relationships" xmlns:p="http://schemas.openxmlformats.org/presentationml/2006/main">
   <p:cSld>
     <p:spTree>
       <p:nvGrpSpPr>
@@ -5878,6 +5937,11 @@
               </a:rPr>
               <a:t>Copyright © 2021 by Elephant Scale, All Rights Reserved</a:t>
             </a:r>
+            <a:endParaRPr sz="800">
+              <a:solidFill>
+                <a:srgbClr val="000000"/>
+              </a:solidFill>
+            </a:endParaRPr>
           </a:p>
         </p:txBody>
       </p:sp>
@@ -5890,7 +5954,7 @@
           <p:nvPr/>
         </p:nvPicPr>
         <p:blipFill>
-          <a:blip r:embed="rId2"/>
+          <a:blip r:embed="rId1"/>
           <a:stretch>
             <a:fillRect/>
           </a:stretch>
@@ -5914,7 +5978,7 @@
 </file>
 
 <file path=ppt/slides/slide4.xml><?xml version="1.0" encoding="utf-8"?>
-<p:sld xmlns:a="http://schemas.openxmlformats.org/drawingml/2006/main" xmlns:p="http://schemas.openxmlformats.org/presentationml/2006/main" xmlns:r="http://schemas.openxmlformats.org/officeDocument/2006/relationships">
+<p:sld xmlns:a="http://schemas.openxmlformats.org/drawingml/2006/main" xmlns:r="http://schemas.openxmlformats.org/officeDocument/2006/relationships" xmlns:p="http://schemas.openxmlformats.org/presentationml/2006/main">
   <p:cSld>
     <p:spTree>
       <p:nvGrpSpPr>
@@ -6043,6 +6107,11 @@
               </a:rPr>
               <a:t>Copyright © 2021 by Elephant Scale, All Rights Reserved</a:t>
             </a:r>
+            <a:endParaRPr sz="800">
+              <a:solidFill>
+                <a:srgbClr val="000000"/>
+              </a:solidFill>
+            </a:endParaRPr>
           </a:p>
         </p:txBody>
       </p:sp>
@@ -6055,7 +6124,7 @@
 </file>
 
 <file path=ppt/slides/slide5.xml><?xml version="1.0" encoding="utf-8"?>
-<p:sld xmlns:a="http://schemas.openxmlformats.org/drawingml/2006/main" xmlns:p="http://schemas.openxmlformats.org/presentationml/2006/main" xmlns:r="http://schemas.openxmlformats.org/officeDocument/2006/relationships">
+<p:sld xmlns:a="http://schemas.openxmlformats.org/drawingml/2006/main" xmlns:r="http://schemas.openxmlformats.org/officeDocument/2006/relationships" xmlns:p="http://schemas.openxmlformats.org/presentationml/2006/main">
   <p:cSld>
     <p:spTree>
       <p:nvGrpSpPr>
@@ -6138,6 +6207,11 @@
               </a:rPr>
               <a:t>Copyright © 2021 by Elephant Scale, All Rights Reserved</a:t>
             </a:r>
+            <a:endParaRPr sz="800">
+              <a:solidFill>
+                <a:srgbClr val="000000"/>
+              </a:solidFill>
+            </a:endParaRPr>
           </a:p>
         </p:txBody>
       </p:sp>
@@ -6150,15 +6224,15 @@
           <p:nvPr/>
         </p:nvPicPr>
         <p:blipFill>
-          <a:blip r:embed="rId2"/>
+          <a:blip r:embed="rId1"/>
           <a:stretch>
             <a:fillRect/>
           </a:stretch>
         </p:blipFill>
         <p:spPr>
           <a:xfrm>
-            <a:off x="704088" y="914400"/>
-            <a:ext cx="9956800" cy="3606800"/>
+            <a:off x="704215" y="1491615"/>
+            <a:ext cx="8362950" cy="3029585"/>
           </a:xfrm>
           <a:prstGeom prst="rect">
             <a:avLst/>
@@ -6174,7 +6248,7 @@
 </file>
 
 <file path=ppt/slides/slide6.xml><?xml version="1.0" encoding="utf-8"?>
-<p:sld xmlns:a="http://schemas.openxmlformats.org/drawingml/2006/main" xmlns:p="http://schemas.openxmlformats.org/presentationml/2006/main" xmlns:r="http://schemas.openxmlformats.org/officeDocument/2006/relationships">
+<p:sld xmlns:a="http://schemas.openxmlformats.org/drawingml/2006/main" xmlns:r="http://schemas.openxmlformats.org/officeDocument/2006/relationships" xmlns:p="http://schemas.openxmlformats.org/presentationml/2006/main">
   <p:cSld>
     <p:spTree>
       <p:nvGrpSpPr>
@@ -6258,6 +6332,11 @@
               </a:rPr>
               <a:t>Copyright © 2021 by Elephant Scale, All Rights Reserved</a:t>
             </a:r>
+            <a:endParaRPr sz="800">
+              <a:solidFill>
+                <a:srgbClr val="000000"/>
+              </a:solidFill>
+            </a:endParaRPr>
           </a:p>
         </p:txBody>
       </p:sp>
@@ -6270,15 +6349,15 @@
           <p:nvPr/>
         </p:nvPicPr>
         <p:blipFill>
-          <a:blip r:embed="rId2"/>
+          <a:blip r:embed="rId1"/>
           <a:stretch>
             <a:fillRect/>
           </a:stretch>
         </p:blipFill>
         <p:spPr>
           <a:xfrm>
-            <a:off x="704088" y="914400"/>
-            <a:ext cx="9728200" cy="4546600"/>
+            <a:off x="704215" y="1487805"/>
+            <a:ext cx="8500745" cy="3973195"/>
           </a:xfrm>
           <a:prstGeom prst="rect">
             <a:avLst/>
@@ -6294,7 +6373,7 @@
 </file>
 
 <file path=ppt/slides/slide7.xml><?xml version="1.0" encoding="utf-8"?>
-<p:sld xmlns:a="http://schemas.openxmlformats.org/drawingml/2006/main" xmlns:p="http://schemas.openxmlformats.org/presentationml/2006/main" xmlns:r="http://schemas.openxmlformats.org/officeDocument/2006/relationships">
+<p:sld xmlns:a="http://schemas.openxmlformats.org/drawingml/2006/main" xmlns:r="http://schemas.openxmlformats.org/officeDocument/2006/relationships" xmlns:p="http://schemas.openxmlformats.org/presentationml/2006/main">
   <p:cSld>
     <p:spTree>
       <p:nvGrpSpPr>
@@ -6406,6 +6485,11 @@
               </a:rPr>
               <a:t>Copyright © 2021 by Elephant Scale, All Rights Reserved</a:t>
             </a:r>
+            <a:endParaRPr sz="800">
+              <a:solidFill>
+                <a:srgbClr val="000000"/>
+              </a:solidFill>
+            </a:endParaRPr>
           </a:p>
         </p:txBody>
       </p:sp>
@@ -6418,7 +6502,7 @@
 </file>
 
 <file path=ppt/slides/slide8.xml><?xml version="1.0" encoding="utf-8"?>
-<p:sld xmlns:a="http://schemas.openxmlformats.org/drawingml/2006/main" xmlns:p="http://schemas.openxmlformats.org/presentationml/2006/main" xmlns:r="http://schemas.openxmlformats.org/officeDocument/2006/relationships">
+<p:sld xmlns:a="http://schemas.openxmlformats.org/drawingml/2006/main" xmlns:r="http://schemas.openxmlformats.org/officeDocument/2006/relationships" xmlns:p="http://schemas.openxmlformats.org/presentationml/2006/main">
   <p:cSld>
     <p:spTree>
       <p:nvGrpSpPr>
@@ -6502,6 +6586,11 @@
               </a:rPr>
               <a:t>Copyright © 2021 by Elephant Scale, All Rights Reserved</a:t>
             </a:r>
+            <a:endParaRPr sz="800">
+              <a:solidFill>
+                <a:srgbClr val="000000"/>
+              </a:solidFill>
+            </a:endParaRPr>
           </a:p>
         </p:txBody>
       </p:sp>
@@ -6514,15 +6603,15 @@
           <p:nvPr/>
         </p:nvPicPr>
         <p:blipFill>
-          <a:blip r:embed="rId2"/>
+          <a:blip r:embed="rId1"/>
           <a:stretch>
             <a:fillRect/>
           </a:stretch>
         </p:blipFill>
         <p:spPr>
           <a:xfrm>
-            <a:off x="704088" y="914400"/>
-            <a:ext cx="9207500" cy="4495800"/>
+            <a:off x="704215" y="1591945"/>
+            <a:ext cx="7890510" cy="3852545"/>
           </a:xfrm>
           <a:prstGeom prst="rect">
             <a:avLst/>
@@ -6538,7 +6627,7 @@
 </file>
 
 <file path=ppt/slides/slide9.xml><?xml version="1.0" encoding="utf-8"?>
-<p:sld xmlns:a="http://schemas.openxmlformats.org/drawingml/2006/main" xmlns:p="http://schemas.openxmlformats.org/presentationml/2006/main" xmlns:r="http://schemas.openxmlformats.org/officeDocument/2006/relationships">
+<p:sld xmlns:a="http://schemas.openxmlformats.org/drawingml/2006/main" xmlns:r="http://schemas.openxmlformats.org/officeDocument/2006/relationships" xmlns:p="http://schemas.openxmlformats.org/presentationml/2006/main">
   <p:cSld>
     <p:spTree>
       <p:nvGrpSpPr>
@@ -6663,6 +6752,11 @@
               </a:rPr>
               <a:t>Copyright © 2021 by Elephant Scale, All Rights Reserved</a:t>
             </a:r>
+            <a:endParaRPr sz="800">
+              <a:solidFill>
+                <a:srgbClr val="000000"/>
+              </a:solidFill>
+            </a:endParaRPr>
           </a:p>
         </p:txBody>
       </p:sp>
@@ -6917,13 +7011,8 @@
           <a:headEnd type="none" w="med" len="med"/>
           <a:tailEnd type="none" w="med" len="med"/>
         </a:ln>
-        <a:effectLst/>
       </a:spPr>
-      <a:bodyPr vert="horz" wrap="square" lIns="91440" tIns="45720" rIns="91440" bIns="45720" numCol="1" anchor="t" anchorCtr="0" compatLnSpc="1">
-        <a:prstTxWarp prst="textNoShape">
-          <a:avLst/>
-        </a:prstTxWarp>
-      </a:bodyPr>
+      <a:bodyPr vert="horz" wrap="square" lIns="91440" tIns="45720" rIns="91440" bIns="45720" numCol="1" anchor="t" anchorCtr="0" compatLnSpc="1"/>
       <a:lstStyle>
         <a:defPPr marL="0" marR="0" indent="0" algn="ctr" defTabSz="914400" rtl="0" eaLnBrk="1" fontAlgn="base" latinLnBrk="0" hangingPunct="1">
           <a:lnSpc>
@@ -6939,7 +7028,6 @@
           <a:buSzTx/>
           <a:buFontTx/>
           <a:buNone/>
-          <a:tabLst/>
           <a:defRPr kumimoji="0" lang="en-US" sz="1000" b="0" i="0" u="none" strike="noStrike" cap="none" normalizeH="0" baseline="0">
             <a:ln>
               <a:noFill/>
@@ -6948,7 +7036,7 @@
               <a:schemeClr val="tx1"/>
             </a:solidFill>
             <a:effectLst/>
-            <a:latin typeface="Garamond" pitchFamily="-110" charset="0"/>
+            <a:latin typeface="Garamond" pitchFamily="18" charset="0"/>
           </a:defRPr>
         </a:defPPr>
       </a:lstStyle>
@@ -6979,13 +7067,8 @@
           <a:headEnd type="none" w="med" len="med"/>
           <a:tailEnd type="none" w="med" len="med"/>
         </a:ln>
-        <a:effectLst/>
       </a:spPr>
-      <a:bodyPr vert="horz" wrap="square" lIns="91440" tIns="45720" rIns="91440" bIns="45720" numCol="1" anchor="t" anchorCtr="0" compatLnSpc="1">
-        <a:prstTxWarp prst="textNoShape">
-          <a:avLst/>
-        </a:prstTxWarp>
-      </a:bodyPr>
+      <a:bodyPr vert="horz" wrap="square" lIns="91440" tIns="45720" rIns="91440" bIns="45720" numCol="1" anchor="t" anchorCtr="0" compatLnSpc="1"/>
       <a:lstStyle>
         <a:defPPr marL="0" marR="0" indent="0" algn="ctr" defTabSz="914400" rtl="0" eaLnBrk="1" fontAlgn="base" latinLnBrk="0" hangingPunct="1">
           <a:lnSpc>
@@ -7001,7 +7084,6 @@
           <a:buSzTx/>
           <a:buFontTx/>
           <a:buNone/>
-          <a:tabLst/>
           <a:defRPr kumimoji="0" lang="en-US" sz="1000" b="0" i="0" u="none" strike="noStrike" cap="none" normalizeH="0" baseline="0">
             <a:ln>
               <a:noFill/>
@@ -7010,7 +7092,7 @@
               <a:schemeClr val="tx1"/>
             </a:solidFill>
             <a:effectLst/>
-            <a:latin typeface="Garamond" pitchFamily="-110" charset="0"/>
+            <a:latin typeface="Garamond" pitchFamily="18" charset="0"/>
           </a:defRPr>
         </a:defPPr>
       </a:lstStyle>
@@ -7305,6 +7387,11 @@
       <a:clrMap bg1="dk2" tx1="lt1" bg2="dk1" tx2="lt2" accent1="accent1" accent2="accent2" accent3="accent3" accent4="accent4" accent5="accent5" accent6="accent6" hlink="hlink" folHlink="folHlink"/>
     </a:extraClrScheme>
   </a:extraClrSchemeLst>
+  <a:extLst>
+    <a:ext uri="{05A4C25C-085E-4340-85A3-A5531E510DB2}">
+      <thm15:themeFamily xmlns:thm15="http://schemas.microsoft.com/office/thememl/2012/main" name="Office Theme" id="{62F939B6-93AF-4DB8-9C6B-D6C7DFDC589F}" vid="{4A3C46E8-61CC-4603-A589-7422A47A8E4A}"/>
+    </a:ext>
+  </a:extLst>
 </a:theme>
 </file>
 
@@ -7622,7 +7709,11 @@
       </a:style>
     </a:lnDef>
   </a:objectDefaults>
-  <a:extraClrSchemeLst/>
+  <a:extLst>
+    <a:ext uri="{05A4C25C-085E-4340-85A3-A5531E510DB2}">
+      <thm15:themeFamily xmlns:thm15="http://schemas.microsoft.com/office/thememl/2012/main" name="Office Theme" id="{62F939B6-93AF-4DB8-9C6B-D6C7DFDC589F}" vid="{4A3C46E8-61CC-4603-A589-7422A47A8E4A}"/>
+    </a:ext>
+  </a:extLst>
 </a:theme>
 </file>
 
@@ -7940,6 +8031,10 @@
       </a:style>
     </a:lnDef>
   </a:objectDefaults>
-  <a:extraClrSchemeLst/>
+  <a:extLst>
+    <a:ext uri="{05A4C25C-085E-4340-85A3-A5531E510DB2}">
+      <thm15:themeFamily xmlns:thm15="http://schemas.microsoft.com/office/thememl/2012/main" name="Office Theme" id="{62F939B6-93AF-4DB8-9C6B-D6C7DFDC589F}" vid="{4A3C46E8-61CC-4603-A589-7422A47A8E4A}"/>
+    </a:ext>
+  </a:extLst>
 </a:theme>
 </file>